--- a/Introduction to Python.pptx
+++ b/Introduction to Python.pptx
@@ -8652,10 +8652,43 @@
           </a:p>
           <a:p>
             <a:r>
+              <a:rPr lang="en-US" dirty="0" smtClean="0"/>
+              <a:t>Data types</a:t>
+            </a:r>
+          </a:p>
+          <a:p>
+            <a:r>
+              <a:rPr lang="en-US" dirty="0" smtClean="0"/>
+              <a:t>Strings and operations</a:t>
+            </a:r>
+          </a:p>
+          <a:p>
+            <a:r>
+              <a:rPr lang="en-US" dirty="0" smtClean="0"/>
+              <a:t>Tuples</a:t>
+            </a:r>
+          </a:p>
+          <a:p>
+            <a:r>
+              <a:rPr lang="en-US" dirty="0" smtClean="0"/>
+              <a:t>List</a:t>
+            </a:r>
+          </a:p>
+          <a:p>
+            <a:r>
+              <a:rPr lang="en-US" dirty="0" smtClean="0"/>
+              <a:t>Dictionary</a:t>
+            </a:r>
+          </a:p>
+          <a:p>
+            <a:r>
               <a:rPr lang="en-US" dirty="0" err="1" smtClean="0"/>
-              <a:t>Datatypes</a:t>
-            </a:r>
-            <a:endParaRPr lang="en-US" dirty="0" smtClean="0"/>
+              <a:t>Ctnd</a:t>
+            </a:r>
+            <a:r>
+              <a:rPr lang="en-US" dirty="0" smtClean="0"/>
+              <a:t>..</a:t>
+            </a:r>
           </a:p>
           <a:p>
             <a:endParaRPr lang="en-US" dirty="0"/>
@@ -9173,20 +9206,7 @@
                   </a:outerShdw>
                 </a:effectLst>
               </a:rPr>
-              <a:t>‘</a:t>
-            </a:r>
-            <a:r>
-              <a:rPr lang="en-US" sz="2300" dirty="0">
-                <a:solidFill>
-                  <a:srgbClr val="99FF33"/>
-                </a:solidFill>
-                <a:effectLst>
-                  <a:outerShdw blurRad="38100" dist="38100" dir="2700000" algn="tl">
-                    <a:srgbClr val="FFFFFF"/>
-                  </a:outerShdw>
-                </a:effectLst>
-              </a:rPr>
-              <a:t>CHEN</a:t>
+              <a:t>‘CHEN</a:t>
             </a:r>
             <a:r>
               <a:rPr lang="en-US" sz="2300" dirty="0" smtClean="0">
@@ -11656,71 +11676,6 @@
       </p:sp>
       <p:sp>
         <p:nvSpPr>
-          <p:cNvPr id="10244" name="Oval 4"/>
-          <p:cNvSpPr>
-            <a:spLocks noChangeArrowheads="1"/>
-          </p:cNvSpPr>
-          <p:nvPr/>
-        </p:nvSpPr>
-        <p:spPr bwMode="auto">
-          <a:xfrm>
-            <a:off x="2622997" y="2196921"/>
-            <a:ext cx="838200" cy="533400"/>
-          </a:xfrm>
-          <a:prstGeom prst="ellipse">
-            <a:avLst/>
-          </a:prstGeom>
-          <a:noFill/>
-          <a:ln w="57150">
-            <a:solidFill>
-              <a:srgbClr val="FFFF00"/>
-            </a:solidFill>
-            <a:round/>
-            <a:headEnd/>
-            <a:tailEnd/>
-          </a:ln>
-          <a:effectLst/>
-          <a:extLst>
-            <a:ext uri="{909E8E84-426E-40DD-AFC4-6F175D3DCCD1}">
-              <a14:hiddenFill xmlns:a14="http://schemas.microsoft.com/office/drawing/2010/main">
-                <a:solidFill>
-                  <a:schemeClr val="accent1"/>
-                </a:solidFill>
-              </a14:hiddenFill>
-            </a:ext>
-            <a:ext uri="{AF507438-7753-43E0-B8FC-AC1667EBCBE1}">
-              <a14:hiddenEffects xmlns:a14="http://schemas.microsoft.com/office/drawing/2010/main">
-                <a:effectLst>
-                  <a:outerShdw dist="35921" dir="2700000" algn="ctr" rotWithShape="0">
-                    <a:schemeClr val="bg2"/>
-                  </a:outerShdw>
-                </a:effectLst>
-              </a14:hiddenEffects>
-            </a:ext>
-          </a:extLst>
-        </p:spPr>
-        <p:txBody>
-          <a:bodyPr wrap="none" anchor="ctr"/>
-          <a:lstStyle/>
-          <a:p>
-            <a:pPr eaLnBrk="0" fontAlgn="base" hangingPunct="0">
-              <a:spcBef>
-                <a:spcPct val="0"/>
-              </a:spcBef>
-              <a:spcAft>
-                <a:spcPct val="0"/>
-              </a:spcAft>
-            </a:pPr>
-            <a:endParaRPr lang="en-US">
-              <a:solidFill>
-                <a:srgbClr val="FFFFFF"/>
-              </a:solidFill>
-            </a:endParaRPr>
-          </a:p>
-        </p:txBody>
-      </p:sp>
-      <p:sp>
-        <p:nvSpPr>
           <p:cNvPr id="10245" name="Text Box 5">
             <a:hlinkClick r:id="rId2"/>
           </p:cNvPr>
@@ -11833,7 +11788,7 @@
                             </p:stCondLst>
                             <p:childTnLst>
                               <p:par>
-                                <p:cTn id="5" presetID="3" presetClass="entr" presetSubtype="10" fill="hold" grpId="0" nodeType="clickEffect">
+                                <p:cTn id="5" presetID="2" presetClass="entr" presetSubtype="4" fill="hold" nodeType="clickEffect">
                                   <p:stCondLst>
                                     <p:cond delay="0"/>
                                   </p:stCondLst>
@@ -11841,59 +11796,6 @@
                                     <p:set>
                                       <p:cBhvr>
                                         <p:cTn id="6" dur="1" fill="hold">
-                                          <p:stCondLst>
-                                            <p:cond delay="0"/>
-                                          </p:stCondLst>
-                                        </p:cTn>
-                                        <p:tgtEl>
-                                          <p:spTgt spid="10244"/>
-                                        </p:tgtEl>
-                                        <p:attrNameLst>
-                                          <p:attrName>style.visibility</p:attrName>
-                                        </p:attrNameLst>
-                                      </p:cBhvr>
-                                      <p:to>
-                                        <p:strVal val="visible"/>
-                                      </p:to>
-                                    </p:set>
-                                    <p:animEffect transition="in" filter="blinds(horizontal)">
-                                      <p:cBhvr>
-                                        <p:cTn id="7" dur="500"/>
-                                        <p:tgtEl>
-                                          <p:spTgt spid="10244"/>
-                                        </p:tgtEl>
-                                      </p:cBhvr>
-                                    </p:animEffect>
-                                  </p:childTnLst>
-                                </p:cTn>
-                              </p:par>
-                            </p:childTnLst>
-                          </p:cTn>
-                        </p:par>
-                      </p:childTnLst>
-                    </p:cTn>
-                  </p:par>
-                  <p:par>
-                    <p:cTn id="8" fill="hold" nodeType="clickPar">
-                      <p:stCondLst>
-                        <p:cond delay="indefinite"/>
-                      </p:stCondLst>
-                      <p:childTnLst>
-                        <p:par>
-                          <p:cTn id="9" fill="hold" nodeType="withGroup">
-                            <p:stCondLst>
-                              <p:cond delay="0"/>
-                            </p:stCondLst>
-                            <p:childTnLst>
-                              <p:par>
-                                <p:cTn id="10" presetID="2" presetClass="entr" presetSubtype="4" fill="hold" nodeType="clickEffect">
-                                  <p:stCondLst>
-                                    <p:cond delay="0"/>
-                                  </p:stCondLst>
-                                  <p:childTnLst>
-                                    <p:set>
-                                      <p:cBhvr>
-                                        <p:cTn id="11" dur="1" fill="hold">
                                           <p:stCondLst>
                                             <p:cond delay="0"/>
                                           </p:stCondLst>
@@ -11915,7 +11817,7 @@
                                     </p:set>
                                     <p:anim calcmode="lin" valueType="num">
                                       <p:cBhvr additive="base">
-                                        <p:cTn id="12" dur="500" fill="hold"/>
+                                        <p:cTn id="7" dur="500" fill="hold"/>
                                         <p:tgtEl>
                                           <p:spTgt spid="10245">
                                             <p:txEl>
@@ -11942,7 +11844,7 @@
                                     </p:anim>
                                     <p:anim calcmode="lin" valueType="num">
                                       <p:cBhvr additive="base">
-                                        <p:cTn id="13" dur="500" fill="hold"/>
+                                        <p:cTn id="8" dur="500" fill="hold"/>
                                         <p:tgtEl>
                                           <p:spTgt spid="10245">
                                             <p:txEl>
@@ -11997,9 +11899,6 @@
         </p:cTn>
       </p:par>
     </p:tnLst>
-    <p:bldLst>
-      <p:bldP spid="10244" grpId="0" animBg="1"/>
-    </p:bldLst>
   </p:timing>
 </p:sld>
 </file>

--- a/Introduction to Python.pptx
+++ b/Introduction to Python.pptx
@@ -5,7 +5,7 @@
     <p:sldMasterId id="2147483648" r:id="rId1"/>
   </p:sldMasterIdLst>
   <p:notesMasterIdLst>
-    <p:notesMasterId r:id="rId32"/>
+    <p:notesMasterId r:id="rId40"/>
   </p:notesMasterIdLst>
   <p:sldIdLst>
     <p:sldId id="256" r:id="rId2"/>
@@ -35,9 +35,17 @@
     <p:sldId id="282" r:id="rId26"/>
     <p:sldId id="283" r:id="rId27"/>
     <p:sldId id="284" r:id="rId28"/>
-    <p:sldId id="285" r:id="rId29"/>
-    <p:sldId id="286" r:id="rId30"/>
-    <p:sldId id="287" r:id="rId31"/>
+    <p:sldId id="288" r:id="rId29"/>
+    <p:sldId id="289" r:id="rId30"/>
+    <p:sldId id="290" r:id="rId31"/>
+    <p:sldId id="291" r:id="rId32"/>
+    <p:sldId id="292" r:id="rId33"/>
+    <p:sldId id="293" r:id="rId34"/>
+    <p:sldId id="285" r:id="rId35"/>
+    <p:sldId id="286" r:id="rId36"/>
+    <p:sldId id="287" r:id="rId37"/>
+    <p:sldId id="295" r:id="rId38"/>
+    <p:sldId id="294" r:id="rId39"/>
   </p:sldIdLst>
   <p:sldSz cx="12192000" cy="6858000"/>
   <p:notesSz cx="6858000" cy="9144000"/>
@@ -4742,6 +4750,13 @@
   <p:clrMapOvr>
     <a:masterClrMapping/>
   </p:clrMapOvr>
+  <p:timing>
+    <p:tnLst>
+      <p:par>
+        <p:cTn id="1" dur="indefinite" restart="never" nodeType="tmRoot"/>
+      </p:par>
+    </p:tnLst>
+  </p:timing>
 </p:sld>
 </file>
 
@@ -8705,6 +8720,13 @@
   <p:clrMapOvr>
     <a:masterClrMapping/>
   </p:clrMapOvr>
+  <p:timing>
+    <p:tnLst>
+      <p:par>
+        <p:cTn id="1" dur="indefinite" restart="never" nodeType="tmRoot"/>
+      </p:par>
+    </p:tnLst>
+  </p:timing>
 </p:sld>
 </file>
 
@@ -9809,7 +9831,7 @@
               <a:buNone/>
             </a:pPr>
             <a:r>
-              <a:rPr lang="en-US"/>
+              <a:rPr lang="en-US" dirty="0"/>
               <a:t>\n -&gt; newline</a:t>
             </a:r>
           </a:p>
@@ -9819,7 +9841,7 @@
               <a:buNone/>
             </a:pPr>
             <a:r>
-              <a:rPr lang="en-US"/>
+              <a:rPr lang="en-US" dirty="0"/>
               <a:t>\t -&gt; tab</a:t>
             </a:r>
           </a:p>
@@ -9829,7 +9851,7 @@
               <a:buNone/>
             </a:pPr>
             <a:r>
-              <a:rPr lang="en-US"/>
+              <a:rPr lang="en-US" dirty="0"/>
               <a:t>\\ -&gt; backslash</a:t>
             </a:r>
           </a:p>
@@ -9839,7 +9861,7 @@
               <a:buNone/>
             </a:pPr>
             <a:r>
-              <a:rPr lang="en-US"/>
+              <a:rPr lang="en-US" dirty="0"/>
               <a:t>...</a:t>
             </a:r>
           </a:p>
@@ -9849,7 +9871,7 @@
               <a:buNone/>
             </a:pPr>
             <a:r>
-              <a:rPr lang="en-US">
+              <a:rPr lang="en-US" dirty="0">
                 <a:solidFill>
                   <a:srgbClr val="99FF33"/>
                 </a:solidFill>
@@ -9864,7 +9886,7 @@
               <a:buNone/>
             </a:pPr>
             <a:r>
-              <a:rPr lang="en-US" sz="2400"/>
+              <a:rPr lang="en-US" sz="2400" dirty="0"/>
               <a:t>filename = "M:\nickel_project\reactive.smi" # DANGER!</a:t>
             </a:r>
           </a:p>
@@ -9874,7 +9896,7 @@
               <a:buNone/>
             </a:pPr>
             <a:r>
-              <a:rPr lang="en-US" sz="2400"/>
+              <a:rPr lang="en-US" sz="2400" dirty="0"/>
               <a:t>filename = "M:\\nickel_project\\reactive.smi" # Better!</a:t>
             </a:r>
           </a:p>
@@ -9884,7 +9906,7 @@
               <a:buNone/>
             </a:pPr>
             <a:r>
-              <a:rPr lang="en-US" sz="2400"/>
+              <a:rPr lang="en-US" sz="2400" dirty="0"/>
               <a:t>filename = "M:/nickel_project/reactive.smi" # Usually works</a:t>
             </a:r>
           </a:p>
@@ -9980,35 +10002,35 @@
           <a:lstStyle/>
           <a:p>
             <a:r>
-              <a:rPr lang="en-US"/>
+              <a:rPr lang="en-US" dirty="0"/>
               <a:t>Ordered collection of data</a:t>
             </a:r>
           </a:p>
           <a:p>
             <a:r>
-              <a:rPr lang="en-US"/>
+              <a:rPr lang="en-US" dirty="0"/>
               <a:t>Data can be of different types</a:t>
             </a:r>
           </a:p>
           <a:p>
             <a:r>
-              <a:rPr lang="en-US"/>
+              <a:rPr lang="en-US" dirty="0"/>
               <a:t>Lists are </a:t>
             </a:r>
             <a:r>
-              <a:rPr lang="en-US" i="1"/>
+              <a:rPr lang="en-US" i="1" dirty="0"/>
               <a:t>mutable</a:t>
             </a:r>
           </a:p>
           <a:p>
             <a:r>
-              <a:rPr lang="en-US"/>
+              <a:rPr lang="en-US" dirty="0"/>
               <a:t>Issues with shared references and mutability</a:t>
             </a:r>
           </a:p>
           <a:p>
             <a:r>
-              <a:rPr lang="en-US"/>
+              <a:rPr lang="en-US" dirty="0"/>
               <a:t>Same subset operations as Strings</a:t>
             </a:r>
           </a:p>
@@ -11251,7 +11273,7 @@
           <a:p>
             <a:r>
               <a:rPr lang="en-US" dirty="0" smtClean="0"/>
-              <a:t>Sets</a:t>
+              <a:t>List operations</a:t>
             </a:r>
             <a:endParaRPr lang="en-US" dirty="0"/>
           </a:p>
@@ -11274,85 +11296,51 @@
           <a:p>
             <a:r>
               <a:rPr lang="en-US" dirty="0" smtClean="0"/>
-              <a:t>&gt;&gt;&gt; x </a:t>
-            </a:r>
-            <a:r>
-              <a:rPr lang="en-US" dirty="0"/>
-              <a:t>= set("A Python Tutorial</a:t>
-            </a:r>
+              <a:t>Count</a:t>
+            </a:r>
+          </a:p>
+          <a:p>
             <a:r>
               <a:rPr lang="en-US" dirty="0" smtClean="0"/>
-              <a:t>")</a:t>
+              <a:t>Index</a:t>
             </a:r>
           </a:p>
           <a:p>
             <a:r>
               <a:rPr lang="en-US" dirty="0" smtClean="0"/>
-              <a:t>&gt;&gt;&gt; x</a:t>
-            </a:r>
-          </a:p>
-          <a:p>
-            <a:pPr marL="0" indent="0">
-              <a:buNone/>
-            </a:pPr>
-            <a:r>
-              <a:rPr lang="en-US" dirty="0"/>
-              <a:t>{'t', 'r', '</a:t>
-            </a:r>
-            <a:r>
-              <a:rPr lang="en-US" dirty="0" err="1"/>
-              <a:t>i</a:t>
-            </a:r>
-            <a:r>
-              <a:rPr lang="en-US" dirty="0"/>
-              <a:t>', 'T', 'n', 'u', 'o', 'l', 'A', ' ', 'h', 'y', 'P', 'a</a:t>
-            </a:r>
+              <a:t>Reverse</a:t>
+            </a:r>
+          </a:p>
+          <a:p>
             <a:r>
               <a:rPr lang="en-US" dirty="0" smtClean="0"/>
-              <a:t>'}</a:t>
-            </a:r>
-          </a:p>
-          <a:p>
-            <a:r>
-              <a:rPr lang="en-US" dirty="0"/>
-              <a:t>type(x</a:t>
-            </a:r>
+              <a:t>Append</a:t>
+            </a:r>
+          </a:p>
+          <a:p>
             <a:r>
               <a:rPr lang="en-US" dirty="0" smtClean="0"/>
-              <a:t>)</a:t>
-            </a:r>
-          </a:p>
-          <a:p>
-            <a:pPr marL="0" indent="0">
-              <a:buNone/>
-            </a:pPr>
-            <a:r>
-              <a:rPr lang="en-US" dirty="0"/>
-              <a:t>&lt;class 'set</a:t>
-            </a:r>
+              <a:t>Sort</a:t>
+            </a:r>
+          </a:p>
+          <a:p>
             <a:r>
               <a:rPr lang="en-US" dirty="0" smtClean="0"/>
-              <a:t>'&gt;</a:t>
-            </a:r>
-          </a:p>
-          <a:p>
-            <a:pPr marL="0" indent="0">
-              <a:buNone/>
-            </a:pPr>
-            <a:endParaRPr lang="en-US" dirty="0" smtClean="0"/>
-          </a:p>
-          <a:p>
-            <a:endParaRPr lang="en-US" dirty="0" smtClean="0"/>
-          </a:p>
-          <a:p>
-            <a:endParaRPr lang="en-US" dirty="0"/>
+              <a:t>Pop</a:t>
+            </a:r>
+          </a:p>
+          <a:p>
+            <a:r>
+              <a:rPr lang="en-US" dirty="0" smtClean="0"/>
+              <a:t>Remove</a:t>
+            </a:r>
           </a:p>
         </p:txBody>
       </p:sp>
     </p:spTree>
     <p:extLst>
       <p:ext uri="{BB962C8B-B14F-4D97-AF65-F5344CB8AC3E}">
-        <p14:creationId xmlns:p14="http://schemas.microsoft.com/office/powerpoint/2010/main" val="3456813876"/>
+        <p14:creationId xmlns:p14="http://schemas.microsoft.com/office/powerpoint/2010/main" val="450441465"/>
       </p:ext>
     </p:extLst>
   </p:cSld>
@@ -11395,71 +11383,25 @@
           <a:lstStyle/>
           <a:p>
             <a:r>
-              <a:rPr lang="en-US" dirty="0" smtClean="0"/>
-              <a:t>Sets Continued..</a:t>
-            </a:r>
-            <a:endParaRPr lang="en-US" dirty="0"/>
-          </a:p>
-        </p:txBody>
-      </p:sp>
-      <p:sp>
-        <p:nvSpPr>
-          <p:cNvPr id="3" name="Content Placeholder 2"/>
-          <p:cNvSpPr>
-            <a:spLocks noGrp="1"/>
-          </p:cNvSpPr>
-          <p:nvPr>
-            <p:ph idx="1"/>
-          </p:nvPr>
-        </p:nvSpPr>
-        <p:spPr/>
-        <p:txBody>
-          <a:bodyPr/>
-          <a:lstStyle/>
-          <a:p>
-            <a:r>
-              <a:rPr lang="en-US" dirty="0" smtClean="0"/>
-              <a:t>If we want to know more of what is happening, lets pass repeated elements</a:t>
-            </a:r>
-          </a:p>
-          <a:p>
-            <a:endParaRPr lang="en-US" dirty="0" smtClean="0"/>
-          </a:p>
-          <a:p>
-            <a:endParaRPr lang="en-US" dirty="0" smtClean="0"/>
-          </a:p>
-          <a:p>
-            <a:r>
-              <a:rPr lang="en-US" dirty="0" smtClean="0"/>
-              <a:t>No doublets are carried in the </a:t>
-            </a:r>
-            <a:r>
-              <a:rPr lang="en-US" dirty="0" err="1" smtClean="0"/>
-              <a:t>resultset</a:t>
-            </a:r>
-            <a:r>
-              <a:rPr lang="en-US" dirty="0" smtClean="0"/>
-              <a:t>.</a:t>
-            </a:r>
-          </a:p>
-          <a:p>
-            <a:r>
-              <a:rPr lang="en-US" dirty="0" smtClean="0"/>
-              <a:t>Sets doesn’t allow mutable objects. For example lists are not allowed as part of sets</a:t>
-            </a:r>
-          </a:p>
-          <a:p>
+              <a:rPr lang="en-US" dirty="0"/>
+              <a:t> Using Lists as Stacks</a:t>
+            </a:r>
+            <a:br>
+              <a:rPr lang="en-US" dirty="0"/>
+            </a:br>
             <a:endParaRPr lang="en-US" dirty="0"/>
           </a:p>
         </p:txBody>
       </p:sp>
       <p:pic>
         <p:nvPicPr>
-          <p:cNvPr id="5" name="Picture 4"/>
+          <p:cNvPr id="5" name="Content Placeholder 4"/>
           <p:cNvPicPr>
-            <a:picLocks noChangeAspect="1"/>
+            <a:picLocks noGrp="1" noChangeAspect="1"/>
           </p:cNvPicPr>
-          <p:nvPr/>
+          <p:nvPr>
+            <p:ph idx="1"/>
+          </p:nvPr>
         </p:nvPicPr>
         <p:blipFill>
           <a:blip r:embed="rId2"/>
@@ -11469,32 +11411,8 @@
         </p:blipFill>
         <p:spPr>
           <a:xfrm>
-            <a:off x="1220709" y="2834384"/>
-            <a:ext cx="6048375" cy="676275"/>
-          </a:xfrm>
-          <a:prstGeom prst="rect">
-            <a:avLst/>
-          </a:prstGeom>
-        </p:spPr>
-      </p:pic>
-      <p:pic>
-        <p:nvPicPr>
-          <p:cNvPr id="6" name="Picture 5"/>
-          <p:cNvPicPr>
-            <a:picLocks noChangeAspect="1"/>
-          </p:cNvPicPr>
-          <p:nvPr/>
-        </p:nvPicPr>
-        <p:blipFill>
-          <a:blip r:embed="rId3"/>
-          <a:stretch>
-            <a:fillRect/>
-          </a:stretch>
-        </p:blipFill>
-        <p:spPr>
-          <a:xfrm>
-            <a:off x="1220709" y="5157439"/>
-            <a:ext cx="5781675" cy="914400"/>
+            <a:off x="1205345" y="1690688"/>
+            <a:ext cx="4698855" cy="4011560"/>
           </a:xfrm>
           <a:prstGeom prst="rect">
             <a:avLst/>
@@ -11504,7 +11422,7 @@
     </p:spTree>
     <p:extLst>
       <p:ext uri="{BB962C8B-B14F-4D97-AF65-F5344CB8AC3E}">
-        <p14:creationId xmlns:p14="http://schemas.microsoft.com/office/powerpoint/2010/main" val="637886457"/>
+        <p14:creationId xmlns:p14="http://schemas.microsoft.com/office/powerpoint/2010/main" val="3093541472"/>
       </p:ext>
     </p:extLst>
   </p:cSld>
@@ -11936,6 +11854,1113 @@
           <a:lstStyle/>
           <a:p>
             <a:r>
+              <a:rPr lang="en-US" dirty="0"/>
+              <a:t>Using Lists as Queues</a:t>
+            </a:r>
+            <a:br>
+              <a:rPr lang="en-US" dirty="0"/>
+            </a:br>
+            <a:endParaRPr lang="en-US" dirty="0"/>
+          </a:p>
+        </p:txBody>
+      </p:sp>
+      <p:sp>
+        <p:nvSpPr>
+          <p:cNvPr id="3" name="Content Placeholder 2"/>
+          <p:cNvSpPr>
+            <a:spLocks noGrp="1"/>
+          </p:cNvSpPr>
+          <p:nvPr>
+            <p:ph idx="1"/>
+          </p:nvPr>
+        </p:nvSpPr>
+        <p:spPr/>
+        <p:txBody>
+          <a:bodyPr>
+            <a:normAutofit fontScale="62500" lnSpcReduction="20000"/>
+          </a:bodyPr>
+          <a:lstStyle/>
+          <a:p>
+            <a:r>
+              <a:rPr lang="en-US" dirty="0"/>
+              <a:t>&gt;&gt;&gt; from collections import </a:t>
+            </a:r>
+            <a:r>
+              <a:rPr lang="en-US" dirty="0" err="1"/>
+              <a:t>deque</a:t>
+            </a:r>
+            <a:endParaRPr lang="en-US" dirty="0"/>
+          </a:p>
+          <a:p>
+            <a:r>
+              <a:rPr lang="en-US" dirty="0"/>
+              <a:t>&gt;&gt;&gt; queue=</a:t>
+            </a:r>
+            <a:r>
+              <a:rPr lang="en-US" dirty="0" err="1"/>
+              <a:t>deque</a:t>
+            </a:r>
+            <a:r>
+              <a:rPr lang="en-US" dirty="0"/>
+              <a:t>(["harry","</a:t>
+            </a:r>
+            <a:r>
+              <a:rPr lang="en-US" dirty="0" err="1"/>
+              <a:t>kishan</a:t>
+            </a:r>
+            <a:r>
+              <a:rPr lang="en-US" dirty="0"/>
+              <a:t>","john"])</a:t>
+            </a:r>
+          </a:p>
+          <a:p>
+            <a:r>
+              <a:rPr lang="en-US" dirty="0"/>
+              <a:t>&gt;&gt;&gt; </a:t>
+            </a:r>
+            <a:r>
+              <a:rPr lang="en-US" dirty="0" err="1"/>
+              <a:t>queue.append</a:t>
+            </a:r>
+            <a:r>
+              <a:rPr lang="en-US" dirty="0"/>
+              <a:t>("Terry")</a:t>
+            </a:r>
+          </a:p>
+          <a:p>
+            <a:r>
+              <a:rPr lang="en-US" dirty="0"/>
+              <a:t>&gt;&gt;&gt; print (queue)</a:t>
+            </a:r>
+          </a:p>
+          <a:p>
+            <a:r>
+              <a:rPr lang="en-US" dirty="0" err="1"/>
+              <a:t>deque</a:t>
+            </a:r>
+            <a:r>
+              <a:rPr lang="en-US" dirty="0"/>
+              <a:t>(['harry', '</a:t>
+            </a:r>
+            <a:r>
+              <a:rPr lang="en-US" dirty="0" err="1"/>
+              <a:t>kishan</a:t>
+            </a:r>
+            <a:r>
+              <a:rPr lang="en-US" dirty="0"/>
+              <a:t>', 'john', 'Terry'])</a:t>
+            </a:r>
+          </a:p>
+          <a:p>
+            <a:r>
+              <a:rPr lang="en-US" dirty="0"/>
+              <a:t>&gt;&gt;&gt; </a:t>
+            </a:r>
+            <a:r>
+              <a:rPr lang="en-US" dirty="0" err="1"/>
+              <a:t>queue.pop</a:t>
+            </a:r>
+            <a:r>
+              <a:rPr lang="en-US" dirty="0"/>
+              <a:t>()</a:t>
+            </a:r>
+          </a:p>
+          <a:p>
+            <a:r>
+              <a:rPr lang="en-US" dirty="0"/>
+              <a:t>'Terry'</a:t>
+            </a:r>
+          </a:p>
+          <a:p>
+            <a:r>
+              <a:rPr lang="en-US" dirty="0"/>
+              <a:t>&gt;&gt;&gt; </a:t>
+            </a:r>
+            <a:r>
+              <a:rPr lang="en-US" dirty="0" err="1"/>
+              <a:t>queue.popleft</a:t>
+            </a:r>
+            <a:r>
+              <a:rPr lang="en-US" dirty="0"/>
+              <a:t>()</a:t>
+            </a:r>
+          </a:p>
+          <a:p>
+            <a:r>
+              <a:rPr lang="en-US" dirty="0"/>
+              <a:t>'harry'</a:t>
+            </a:r>
+          </a:p>
+          <a:p>
+            <a:r>
+              <a:rPr lang="en-US" dirty="0"/>
+              <a:t>&gt;&gt;&gt; print queue</a:t>
+            </a:r>
+          </a:p>
+          <a:p>
+            <a:r>
+              <a:rPr lang="en-US" dirty="0" err="1"/>
+              <a:t>SyntaxError</a:t>
+            </a:r>
+            <a:r>
+              <a:rPr lang="en-US" dirty="0"/>
+              <a:t>: Missing parentheses in call to 'print'</a:t>
+            </a:r>
+          </a:p>
+          <a:p>
+            <a:r>
+              <a:rPr lang="en-US" dirty="0"/>
+              <a:t>&gt;&gt;&gt; print (queue)</a:t>
+            </a:r>
+          </a:p>
+          <a:p>
+            <a:r>
+              <a:rPr lang="en-US" dirty="0" err="1"/>
+              <a:t>deque</a:t>
+            </a:r>
+            <a:r>
+              <a:rPr lang="en-US" dirty="0"/>
+              <a:t>(['</a:t>
+            </a:r>
+            <a:r>
+              <a:rPr lang="en-US" dirty="0" err="1"/>
+              <a:t>kishan</a:t>
+            </a:r>
+            <a:r>
+              <a:rPr lang="en-US" dirty="0"/>
+              <a:t>', 'john'])</a:t>
+            </a:r>
+          </a:p>
+        </p:txBody>
+      </p:sp>
+    </p:spTree>
+    <p:extLst>
+      <p:ext uri="{BB962C8B-B14F-4D97-AF65-F5344CB8AC3E}">
+        <p14:creationId xmlns:p14="http://schemas.microsoft.com/office/powerpoint/2010/main" val="2036797876"/>
+      </p:ext>
+    </p:extLst>
+  </p:cSld>
+  <p:clrMapOvr>
+    <a:masterClrMapping/>
+  </p:clrMapOvr>
+</p:sld>
+</file>
+
+<file path=ppt/slides/slide31.xml><?xml version="1.0" encoding="utf-8"?>
+<p:sld xmlns:a="http://schemas.openxmlformats.org/drawingml/2006/main" xmlns:r="http://schemas.openxmlformats.org/officeDocument/2006/relationships" xmlns:p="http://schemas.openxmlformats.org/presentationml/2006/main">
+  <p:cSld>
+    <p:spTree>
+      <p:nvGrpSpPr>
+        <p:cNvPr id="1" name=""/>
+        <p:cNvGrpSpPr/>
+        <p:nvPr/>
+      </p:nvGrpSpPr>
+      <p:grpSpPr>
+        <a:xfrm>
+          <a:off x="0" y="0"/>
+          <a:ext cx="0" cy="0"/>
+          <a:chOff x="0" y="0"/>
+          <a:chExt cx="0" cy="0"/>
+        </a:xfrm>
+      </p:grpSpPr>
+      <p:sp>
+        <p:nvSpPr>
+          <p:cNvPr id="2" name="Title 1"/>
+          <p:cNvSpPr>
+            <a:spLocks noGrp="1"/>
+          </p:cNvSpPr>
+          <p:nvPr>
+            <p:ph type="title"/>
+          </p:nvPr>
+        </p:nvSpPr>
+        <p:spPr/>
+        <p:txBody>
+          <a:bodyPr/>
+          <a:lstStyle/>
+          <a:p>
+            <a:r>
+              <a:rPr lang="en-US" dirty="0" smtClean="0"/>
+              <a:t>Random observation</a:t>
+            </a:r>
+            <a:endParaRPr lang="en-US" dirty="0"/>
+          </a:p>
+        </p:txBody>
+      </p:sp>
+      <p:sp>
+        <p:nvSpPr>
+          <p:cNvPr id="3" name="Content Placeholder 2"/>
+          <p:cNvSpPr>
+            <a:spLocks noGrp="1"/>
+          </p:cNvSpPr>
+          <p:nvPr>
+            <p:ph idx="1"/>
+          </p:nvPr>
+        </p:nvSpPr>
+        <p:spPr/>
+        <p:txBody>
+          <a:bodyPr>
+            <a:normAutofit fontScale="55000" lnSpcReduction="20000"/>
+          </a:bodyPr>
+          <a:lstStyle/>
+          <a:p>
+            <a:r>
+              <a:rPr lang="en-US" dirty="0"/>
+              <a:t>&gt;&gt;&gt; from math import pi</a:t>
+            </a:r>
+          </a:p>
+          <a:p>
+            <a:r>
+              <a:rPr lang="en-US" dirty="0"/>
+              <a:t>&gt;&gt;&gt; [</a:t>
+            </a:r>
+            <a:r>
+              <a:rPr lang="en-US" dirty="0" err="1"/>
+              <a:t>str</a:t>
+            </a:r>
+            <a:r>
+              <a:rPr lang="en-US" dirty="0"/>
+              <a:t>(round(pi, </a:t>
+            </a:r>
+            <a:r>
+              <a:rPr lang="en-US" dirty="0" err="1"/>
+              <a:t>i</a:t>
+            </a:r>
+            <a:r>
+              <a:rPr lang="en-US" dirty="0"/>
+              <a:t>)) for </a:t>
+            </a:r>
+            <a:r>
+              <a:rPr lang="en-US" dirty="0" err="1"/>
+              <a:t>i</a:t>
+            </a:r>
+            <a:r>
+              <a:rPr lang="en-US" dirty="0"/>
+              <a:t> in range(1, 6)]</a:t>
+            </a:r>
+          </a:p>
+          <a:p>
+            <a:r>
+              <a:rPr lang="en-US" dirty="0"/>
+              <a:t>['3.1', '3.14', '3.142', '3.1416', '3.14159</a:t>
+            </a:r>
+            <a:r>
+              <a:rPr lang="en-US" dirty="0" smtClean="0"/>
+              <a:t>']</a:t>
+            </a:r>
+          </a:p>
+          <a:p>
+            <a:endParaRPr lang="en-US" dirty="0"/>
+          </a:p>
+          <a:p>
+            <a:r>
+              <a:rPr lang="en-US" dirty="0"/>
+              <a:t>&gt;&gt;&gt; matrix = [</a:t>
+            </a:r>
+          </a:p>
+          <a:p>
+            <a:r>
+              <a:rPr lang="en-US" dirty="0"/>
+              <a:t>...     [1, 2, 3, 4],</a:t>
+            </a:r>
+          </a:p>
+          <a:p>
+            <a:r>
+              <a:rPr lang="en-US" dirty="0"/>
+              <a:t>...     [5, 6, 7, 8],</a:t>
+            </a:r>
+          </a:p>
+          <a:p>
+            <a:r>
+              <a:rPr lang="en-US" dirty="0"/>
+              <a:t>...     [9, 10, 11, 12],</a:t>
+            </a:r>
+          </a:p>
+          <a:p>
+            <a:r>
+              <a:rPr lang="en-US" dirty="0"/>
+              <a:t>... ]</a:t>
+            </a:r>
+          </a:p>
+          <a:p>
+            <a:r>
+              <a:rPr lang="en-US" dirty="0"/>
+              <a:t>The following list comprehension will transpose rows and columns:</a:t>
+            </a:r>
+          </a:p>
+          <a:p>
+            <a:endParaRPr lang="en-US" dirty="0"/>
+          </a:p>
+          <a:p>
+            <a:r>
+              <a:rPr lang="en-US" dirty="0"/>
+              <a:t>&gt;&gt;&gt;</a:t>
+            </a:r>
+          </a:p>
+          <a:p>
+            <a:r>
+              <a:rPr lang="en-US" dirty="0"/>
+              <a:t>&gt;&gt;&gt; [[row[</a:t>
+            </a:r>
+            <a:r>
+              <a:rPr lang="en-US" dirty="0" err="1"/>
+              <a:t>i</a:t>
+            </a:r>
+            <a:r>
+              <a:rPr lang="en-US" dirty="0"/>
+              <a:t>] for row in matrix] for </a:t>
+            </a:r>
+            <a:r>
+              <a:rPr lang="en-US" dirty="0" err="1"/>
+              <a:t>i</a:t>
+            </a:r>
+            <a:r>
+              <a:rPr lang="en-US" dirty="0"/>
+              <a:t> in range(4)]</a:t>
+            </a:r>
+          </a:p>
+          <a:p>
+            <a:r>
+              <a:rPr lang="en-US" dirty="0"/>
+              <a:t>[[1, 5, 9], [2, 6, 10], [3, 7, 11], [4, 8, 12]]</a:t>
+            </a:r>
+          </a:p>
+        </p:txBody>
+      </p:sp>
+    </p:spTree>
+    <p:extLst>
+      <p:ext uri="{BB962C8B-B14F-4D97-AF65-F5344CB8AC3E}">
+        <p14:creationId xmlns:p14="http://schemas.microsoft.com/office/powerpoint/2010/main" val="2067920545"/>
+      </p:ext>
+    </p:extLst>
+  </p:cSld>
+  <p:clrMapOvr>
+    <a:masterClrMapping/>
+  </p:clrMapOvr>
+</p:sld>
+</file>
+
+<file path=ppt/slides/slide32.xml><?xml version="1.0" encoding="utf-8"?>
+<p:sld xmlns:a="http://schemas.openxmlformats.org/drawingml/2006/main" xmlns:r="http://schemas.openxmlformats.org/officeDocument/2006/relationships" xmlns:p="http://schemas.openxmlformats.org/presentationml/2006/main">
+  <p:cSld>
+    <p:spTree>
+      <p:nvGrpSpPr>
+        <p:cNvPr id="1" name=""/>
+        <p:cNvGrpSpPr/>
+        <p:nvPr/>
+      </p:nvGrpSpPr>
+      <p:grpSpPr>
+        <a:xfrm>
+          <a:off x="0" y="0"/>
+          <a:ext cx="0" cy="0"/>
+          <a:chOff x="0" y="0"/>
+          <a:chExt cx="0" cy="0"/>
+        </a:xfrm>
+      </p:grpSpPr>
+      <p:sp>
+        <p:nvSpPr>
+          <p:cNvPr id="2" name="Title 1"/>
+          <p:cNvSpPr>
+            <a:spLocks noGrp="1"/>
+          </p:cNvSpPr>
+          <p:nvPr>
+            <p:ph type="title"/>
+          </p:nvPr>
+        </p:nvSpPr>
+        <p:spPr/>
+        <p:txBody>
+          <a:bodyPr/>
+          <a:lstStyle/>
+          <a:p>
+            <a:r>
+              <a:rPr lang="en-US" dirty="0" smtClean="0"/>
+              <a:t>Tuples </a:t>
+            </a:r>
+            <a:endParaRPr lang="en-US" dirty="0"/>
+          </a:p>
+        </p:txBody>
+      </p:sp>
+      <p:sp>
+        <p:nvSpPr>
+          <p:cNvPr id="3" name="Content Placeholder 2"/>
+          <p:cNvSpPr>
+            <a:spLocks noGrp="1"/>
+          </p:cNvSpPr>
+          <p:nvPr>
+            <p:ph idx="1"/>
+          </p:nvPr>
+        </p:nvSpPr>
+        <p:spPr/>
+        <p:txBody>
+          <a:bodyPr>
+            <a:normAutofit fontScale="40000" lnSpcReduction="20000"/>
+          </a:bodyPr>
+          <a:lstStyle/>
+          <a:p>
+            <a:r>
+              <a:rPr lang="en-US" dirty="0"/>
+              <a:t>A tuple consists of a number of values separated by commas, for instance</a:t>
+            </a:r>
+            <a:r>
+              <a:rPr lang="en-US" dirty="0" smtClean="0"/>
+              <a:t>:</a:t>
+            </a:r>
+          </a:p>
+          <a:p>
+            <a:r>
+              <a:rPr lang="en-US" dirty="0"/>
+              <a:t>&gt;&gt;&gt; t = 12345, 54321, 'hello!'</a:t>
+            </a:r>
+          </a:p>
+          <a:p>
+            <a:r>
+              <a:rPr lang="en-US" dirty="0"/>
+              <a:t>&gt;&gt;&gt; t[0]</a:t>
+            </a:r>
+          </a:p>
+          <a:p>
+            <a:r>
+              <a:rPr lang="en-US" dirty="0"/>
+              <a:t>12345</a:t>
+            </a:r>
+          </a:p>
+          <a:p>
+            <a:r>
+              <a:rPr lang="en-US" dirty="0"/>
+              <a:t>&gt;&gt;&gt; t</a:t>
+            </a:r>
+          </a:p>
+          <a:p>
+            <a:r>
+              <a:rPr lang="en-US" dirty="0"/>
+              <a:t>(12345, 54321, 'hello</a:t>
+            </a:r>
+            <a:r>
+              <a:rPr lang="en-US" dirty="0" smtClean="0"/>
+              <a:t>!')  </a:t>
+            </a:r>
+            <a:r>
+              <a:rPr lang="en-US" b="1" dirty="0"/>
+              <a:t># Tuples may be nested</a:t>
+            </a:r>
+            <a:r>
+              <a:rPr lang="en-US" dirty="0"/>
+              <a:t>:</a:t>
+            </a:r>
+          </a:p>
+          <a:p>
+            <a:r>
+              <a:rPr lang="en-US" dirty="0"/>
+              <a:t>... u = t, (1, 2, 3, 4, 5)</a:t>
+            </a:r>
+          </a:p>
+          <a:p>
+            <a:r>
+              <a:rPr lang="en-US" dirty="0"/>
+              <a:t>&gt;&gt;&gt; u</a:t>
+            </a:r>
+          </a:p>
+          <a:p>
+            <a:r>
+              <a:rPr lang="en-US" dirty="0"/>
+              <a:t>((12345, 54321, 'hello!'), (1, 2, 3, 4, 5</a:t>
+            </a:r>
+            <a:r>
+              <a:rPr lang="en-US" b="1" dirty="0" smtClean="0"/>
+              <a:t>))  # Tuples are immutable:</a:t>
+            </a:r>
+          </a:p>
+          <a:p>
+            <a:r>
+              <a:rPr lang="en-US" dirty="0" smtClean="0"/>
+              <a:t>... t[0] = 88888</a:t>
+            </a:r>
+          </a:p>
+          <a:p>
+            <a:r>
+              <a:rPr lang="en-US" dirty="0" err="1" smtClean="0"/>
+              <a:t>Traceback</a:t>
+            </a:r>
+            <a:r>
+              <a:rPr lang="en-US" dirty="0" smtClean="0"/>
+              <a:t> </a:t>
+            </a:r>
+            <a:r>
+              <a:rPr lang="en-US" dirty="0"/>
+              <a:t>(most recent call last):</a:t>
+            </a:r>
+          </a:p>
+          <a:p>
+            <a:r>
+              <a:rPr lang="en-US" dirty="0"/>
+              <a:t>  File "&lt;</a:t>
+            </a:r>
+            <a:r>
+              <a:rPr lang="en-US" dirty="0" err="1"/>
+              <a:t>stdin</a:t>
+            </a:r>
+            <a:r>
+              <a:rPr lang="en-US" dirty="0"/>
+              <a:t>&gt;", line 1, in &lt;module&gt;</a:t>
+            </a:r>
+          </a:p>
+          <a:p>
+            <a:r>
+              <a:rPr lang="en-US" dirty="0" err="1"/>
+              <a:t>TypeError</a:t>
+            </a:r>
+            <a:r>
+              <a:rPr lang="en-US" dirty="0"/>
+              <a:t>: 'tuple' object does not support item assignment</a:t>
+            </a:r>
+          </a:p>
+          <a:p>
+            <a:r>
+              <a:rPr lang="en-US" dirty="0"/>
+              <a:t>&gt;&gt;&gt; # but they can contain mutable objects:</a:t>
+            </a:r>
+          </a:p>
+          <a:p>
+            <a:r>
+              <a:rPr lang="en-US" dirty="0"/>
+              <a:t>... v = ([1, 2, 3], [3, 2, 1])</a:t>
+            </a:r>
+          </a:p>
+          <a:p>
+            <a:r>
+              <a:rPr lang="en-US" dirty="0"/>
+              <a:t>&gt;&gt;&gt; v</a:t>
+            </a:r>
+          </a:p>
+          <a:p>
+            <a:r>
+              <a:rPr lang="en-US" dirty="0"/>
+              <a:t>([1, 2, 3], [3, 2, 1])</a:t>
+            </a:r>
+          </a:p>
+        </p:txBody>
+      </p:sp>
+    </p:spTree>
+    <p:extLst>
+      <p:ext uri="{BB962C8B-B14F-4D97-AF65-F5344CB8AC3E}">
+        <p14:creationId xmlns:p14="http://schemas.microsoft.com/office/powerpoint/2010/main" val="1010063690"/>
+      </p:ext>
+    </p:extLst>
+  </p:cSld>
+  <p:clrMapOvr>
+    <a:masterClrMapping/>
+  </p:clrMapOvr>
+</p:sld>
+</file>
+
+<file path=ppt/slides/slide33.xml><?xml version="1.0" encoding="utf-8"?>
+<p:sld xmlns:a="http://schemas.openxmlformats.org/drawingml/2006/main" xmlns:r="http://schemas.openxmlformats.org/officeDocument/2006/relationships" xmlns:p="http://schemas.openxmlformats.org/presentationml/2006/main">
+  <p:cSld>
+    <p:spTree>
+      <p:nvGrpSpPr>
+        <p:cNvPr id="1" name=""/>
+        <p:cNvGrpSpPr/>
+        <p:nvPr/>
+      </p:nvGrpSpPr>
+      <p:grpSpPr>
+        <a:xfrm>
+          <a:off x="0" y="0"/>
+          <a:ext cx="0" cy="0"/>
+          <a:chOff x="0" y="0"/>
+          <a:chExt cx="0" cy="0"/>
+        </a:xfrm>
+      </p:grpSpPr>
+      <p:sp>
+        <p:nvSpPr>
+          <p:cNvPr id="2" name="Title 1"/>
+          <p:cNvSpPr>
+            <a:spLocks noGrp="1"/>
+          </p:cNvSpPr>
+          <p:nvPr>
+            <p:ph type="title"/>
+          </p:nvPr>
+        </p:nvSpPr>
+        <p:spPr/>
+        <p:txBody>
+          <a:bodyPr/>
+          <a:lstStyle/>
+          <a:p>
+            <a:r>
+              <a:rPr lang="en-US" dirty="0" smtClean="0"/>
+              <a:t>Tuples </a:t>
+            </a:r>
+            <a:r>
+              <a:rPr lang="en-US" dirty="0" err="1" smtClean="0"/>
+              <a:t>contd</a:t>
+            </a:r>
+            <a:r>
+              <a:rPr lang="en-US" dirty="0" smtClean="0"/>
+              <a:t>…</a:t>
+            </a:r>
+            <a:endParaRPr lang="en-US" dirty="0"/>
+          </a:p>
+        </p:txBody>
+      </p:sp>
+      <p:sp>
+        <p:nvSpPr>
+          <p:cNvPr id="3" name="Content Placeholder 2"/>
+          <p:cNvSpPr>
+            <a:spLocks noGrp="1"/>
+          </p:cNvSpPr>
+          <p:nvPr>
+            <p:ph idx="1"/>
+          </p:nvPr>
+        </p:nvSpPr>
+        <p:spPr/>
+        <p:txBody>
+          <a:bodyPr/>
+          <a:lstStyle/>
+          <a:p>
+            <a:r>
+              <a:rPr lang="en-US" dirty="0"/>
+              <a:t>&gt;&gt;&gt; empty = ()</a:t>
+            </a:r>
+          </a:p>
+          <a:p>
+            <a:r>
+              <a:rPr lang="en-US" dirty="0"/>
+              <a:t>&gt;&gt;&gt; singleton = 'hello',    # &lt;-- note trailing comma</a:t>
+            </a:r>
+          </a:p>
+          <a:p>
+            <a:r>
+              <a:rPr lang="en-US" dirty="0"/>
+              <a:t>&gt;&gt;&gt; </a:t>
+            </a:r>
+            <a:r>
+              <a:rPr lang="en-US" dirty="0" err="1"/>
+              <a:t>len</a:t>
+            </a:r>
+            <a:r>
+              <a:rPr lang="en-US" dirty="0"/>
+              <a:t>(empty)</a:t>
+            </a:r>
+          </a:p>
+          <a:p>
+            <a:r>
+              <a:rPr lang="en-US" dirty="0"/>
+              <a:t>0</a:t>
+            </a:r>
+          </a:p>
+          <a:p>
+            <a:r>
+              <a:rPr lang="en-US" dirty="0"/>
+              <a:t>&gt;&gt;&gt; </a:t>
+            </a:r>
+            <a:r>
+              <a:rPr lang="en-US" dirty="0" err="1"/>
+              <a:t>len</a:t>
+            </a:r>
+            <a:r>
+              <a:rPr lang="en-US" dirty="0"/>
+              <a:t>(singleton)</a:t>
+            </a:r>
+          </a:p>
+          <a:p>
+            <a:r>
+              <a:rPr lang="en-US" dirty="0"/>
+              <a:t>1</a:t>
+            </a:r>
+          </a:p>
+          <a:p>
+            <a:r>
+              <a:rPr lang="en-US" dirty="0"/>
+              <a:t>&gt;&gt;&gt; singleton</a:t>
+            </a:r>
+          </a:p>
+          <a:p>
+            <a:r>
+              <a:rPr lang="en-US" dirty="0"/>
+              <a:t>('hello',)</a:t>
+            </a:r>
+          </a:p>
+        </p:txBody>
+      </p:sp>
+    </p:spTree>
+    <p:extLst>
+      <p:ext uri="{BB962C8B-B14F-4D97-AF65-F5344CB8AC3E}">
+        <p14:creationId xmlns:p14="http://schemas.microsoft.com/office/powerpoint/2010/main" val="1422079257"/>
+      </p:ext>
+    </p:extLst>
+  </p:cSld>
+  <p:clrMapOvr>
+    <a:masterClrMapping/>
+  </p:clrMapOvr>
+</p:sld>
+</file>
+
+<file path=ppt/slides/slide34.xml><?xml version="1.0" encoding="utf-8"?>
+<p:sld xmlns:a="http://schemas.openxmlformats.org/drawingml/2006/main" xmlns:r="http://schemas.openxmlformats.org/officeDocument/2006/relationships" xmlns:p="http://schemas.openxmlformats.org/presentationml/2006/main">
+  <p:cSld>
+    <p:spTree>
+      <p:nvGrpSpPr>
+        <p:cNvPr id="1" name=""/>
+        <p:cNvGrpSpPr/>
+        <p:nvPr/>
+      </p:nvGrpSpPr>
+      <p:grpSpPr>
+        <a:xfrm>
+          <a:off x="0" y="0"/>
+          <a:ext cx="0" cy="0"/>
+          <a:chOff x="0" y="0"/>
+          <a:chExt cx="0" cy="0"/>
+        </a:xfrm>
+      </p:grpSpPr>
+      <p:sp>
+        <p:nvSpPr>
+          <p:cNvPr id="2" name="Title 1"/>
+          <p:cNvSpPr>
+            <a:spLocks noGrp="1"/>
+          </p:cNvSpPr>
+          <p:nvPr>
+            <p:ph type="title"/>
+          </p:nvPr>
+        </p:nvSpPr>
+        <p:spPr/>
+        <p:txBody>
+          <a:bodyPr/>
+          <a:lstStyle/>
+          <a:p>
+            <a:r>
+              <a:rPr lang="en-US" dirty="0" smtClean="0"/>
+              <a:t>Sets</a:t>
+            </a:r>
+            <a:endParaRPr lang="en-US" dirty="0"/>
+          </a:p>
+        </p:txBody>
+      </p:sp>
+      <p:sp>
+        <p:nvSpPr>
+          <p:cNvPr id="3" name="Content Placeholder 2"/>
+          <p:cNvSpPr>
+            <a:spLocks noGrp="1"/>
+          </p:cNvSpPr>
+          <p:nvPr>
+            <p:ph idx="1"/>
+          </p:nvPr>
+        </p:nvSpPr>
+        <p:spPr/>
+        <p:txBody>
+          <a:bodyPr>
+            <a:normAutofit fontScale="92500" lnSpcReduction="10000"/>
+          </a:bodyPr>
+          <a:lstStyle/>
+          <a:p>
+            <a:r>
+              <a:rPr lang="en-US" dirty="0"/>
+              <a:t>Python also includes a data type for </a:t>
+            </a:r>
+            <a:r>
+              <a:rPr lang="en-US" i="1" dirty="0"/>
+              <a:t>sets</a:t>
+            </a:r>
+            <a:r>
+              <a:rPr lang="en-US" dirty="0"/>
+              <a:t>. A set is an unordered collection with no duplicate elements. Basic uses include membership testing and eliminating duplicate entries. Set objects also support mathematical operations like union, intersection, difference, and symmetric difference.</a:t>
+            </a:r>
+            <a:endParaRPr lang="en-US" dirty="0" smtClean="0"/>
+          </a:p>
+          <a:p>
+            <a:endParaRPr lang="en-US" dirty="0"/>
+          </a:p>
+          <a:p>
+            <a:r>
+              <a:rPr lang="en-US" dirty="0" smtClean="0"/>
+              <a:t>&gt;&gt;&gt; </a:t>
+            </a:r>
+            <a:r>
+              <a:rPr lang="en-US" dirty="0" smtClean="0"/>
+              <a:t>x </a:t>
+            </a:r>
+            <a:r>
+              <a:rPr lang="en-US" dirty="0"/>
+              <a:t>= set("A Python Tutorial</a:t>
+            </a:r>
+            <a:r>
+              <a:rPr lang="en-US" dirty="0" smtClean="0"/>
+              <a:t>")</a:t>
+            </a:r>
+          </a:p>
+          <a:p>
+            <a:r>
+              <a:rPr lang="en-US" dirty="0" smtClean="0"/>
+              <a:t>&gt;&gt;&gt; x</a:t>
+            </a:r>
+          </a:p>
+          <a:p>
+            <a:pPr marL="0" indent="0">
+              <a:buNone/>
+            </a:pPr>
+            <a:r>
+              <a:rPr lang="en-US" dirty="0"/>
+              <a:t>{'t', 'r', '</a:t>
+            </a:r>
+            <a:r>
+              <a:rPr lang="en-US" dirty="0" err="1"/>
+              <a:t>i</a:t>
+            </a:r>
+            <a:r>
+              <a:rPr lang="en-US" dirty="0"/>
+              <a:t>', 'T', 'n', 'u', 'o', 'l', 'A', ' ', 'h', 'y', 'P', 'a</a:t>
+            </a:r>
+            <a:r>
+              <a:rPr lang="en-US" dirty="0" smtClean="0"/>
+              <a:t>'}</a:t>
+            </a:r>
+          </a:p>
+          <a:p>
+            <a:r>
+              <a:rPr lang="en-US" dirty="0"/>
+              <a:t>type(x</a:t>
+            </a:r>
+            <a:r>
+              <a:rPr lang="en-US" dirty="0" smtClean="0"/>
+              <a:t>)</a:t>
+            </a:r>
+          </a:p>
+          <a:p>
+            <a:pPr marL="0" indent="0">
+              <a:buNone/>
+            </a:pPr>
+            <a:r>
+              <a:rPr lang="en-US" dirty="0"/>
+              <a:t>&lt;class 'set</a:t>
+            </a:r>
+            <a:r>
+              <a:rPr lang="en-US" dirty="0" smtClean="0"/>
+              <a:t>'&gt;</a:t>
+            </a:r>
+          </a:p>
+          <a:p>
+            <a:pPr marL="0" indent="0">
+              <a:buNone/>
+            </a:pPr>
+            <a:endParaRPr lang="en-US" dirty="0" smtClean="0"/>
+          </a:p>
+          <a:p>
+            <a:endParaRPr lang="en-US" dirty="0" smtClean="0"/>
+          </a:p>
+          <a:p>
+            <a:endParaRPr lang="en-US" dirty="0"/>
+          </a:p>
+        </p:txBody>
+      </p:sp>
+    </p:spTree>
+    <p:extLst>
+      <p:ext uri="{BB962C8B-B14F-4D97-AF65-F5344CB8AC3E}">
+        <p14:creationId xmlns:p14="http://schemas.microsoft.com/office/powerpoint/2010/main" val="3456813876"/>
+      </p:ext>
+    </p:extLst>
+  </p:cSld>
+  <p:clrMapOvr>
+    <a:masterClrMapping/>
+  </p:clrMapOvr>
+  <p:timing>
+    <p:tnLst>
+      <p:par>
+        <p:cTn id="1" dur="indefinite" restart="never" nodeType="tmRoot"/>
+      </p:par>
+    </p:tnLst>
+  </p:timing>
+</p:sld>
+</file>
+
+<file path=ppt/slides/slide35.xml><?xml version="1.0" encoding="utf-8"?>
+<p:sld xmlns:a="http://schemas.openxmlformats.org/drawingml/2006/main" xmlns:r="http://schemas.openxmlformats.org/officeDocument/2006/relationships" xmlns:p="http://schemas.openxmlformats.org/presentationml/2006/main">
+  <p:cSld>
+    <p:spTree>
+      <p:nvGrpSpPr>
+        <p:cNvPr id="1" name=""/>
+        <p:cNvGrpSpPr/>
+        <p:nvPr/>
+      </p:nvGrpSpPr>
+      <p:grpSpPr>
+        <a:xfrm>
+          <a:off x="0" y="0"/>
+          <a:ext cx="0" cy="0"/>
+          <a:chOff x="0" y="0"/>
+          <a:chExt cx="0" cy="0"/>
+        </a:xfrm>
+      </p:grpSpPr>
+      <p:sp>
+        <p:nvSpPr>
+          <p:cNvPr id="2" name="Title 1"/>
+          <p:cNvSpPr>
+            <a:spLocks noGrp="1"/>
+          </p:cNvSpPr>
+          <p:nvPr>
+            <p:ph type="title"/>
+          </p:nvPr>
+        </p:nvSpPr>
+        <p:spPr/>
+        <p:txBody>
+          <a:bodyPr/>
+          <a:lstStyle/>
+          <a:p>
+            <a:r>
+              <a:rPr lang="en-US" dirty="0" smtClean="0"/>
+              <a:t>Sets Continued..</a:t>
+            </a:r>
+            <a:endParaRPr lang="en-US" dirty="0"/>
+          </a:p>
+        </p:txBody>
+      </p:sp>
+      <p:sp>
+        <p:nvSpPr>
+          <p:cNvPr id="3" name="Content Placeholder 2"/>
+          <p:cNvSpPr>
+            <a:spLocks noGrp="1"/>
+          </p:cNvSpPr>
+          <p:nvPr>
+            <p:ph idx="1"/>
+          </p:nvPr>
+        </p:nvSpPr>
+        <p:spPr/>
+        <p:txBody>
+          <a:bodyPr/>
+          <a:lstStyle/>
+          <a:p>
+            <a:r>
+              <a:rPr lang="en-US" dirty="0" smtClean="0"/>
+              <a:t>If we want to know more of what is happening, lets pass repeated elements</a:t>
+            </a:r>
+          </a:p>
+          <a:p>
+            <a:endParaRPr lang="en-US" dirty="0" smtClean="0"/>
+          </a:p>
+          <a:p>
+            <a:endParaRPr lang="en-US" dirty="0" smtClean="0"/>
+          </a:p>
+          <a:p>
+            <a:r>
+              <a:rPr lang="en-US" dirty="0" smtClean="0"/>
+              <a:t>No doublets are carried in the </a:t>
+            </a:r>
+            <a:r>
+              <a:rPr lang="en-US" dirty="0" err="1" smtClean="0"/>
+              <a:t>resultset</a:t>
+            </a:r>
+            <a:r>
+              <a:rPr lang="en-US" dirty="0" smtClean="0"/>
+              <a:t>.</a:t>
+            </a:r>
+          </a:p>
+          <a:p>
+            <a:r>
+              <a:rPr lang="en-US" dirty="0" smtClean="0"/>
+              <a:t>Sets doesn’t allow mutable objects. For example lists are not allowed as part of sets</a:t>
+            </a:r>
+          </a:p>
+          <a:p>
+            <a:endParaRPr lang="en-US" dirty="0"/>
+          </a:p>
+        </p:txBody>
+      </p:sp>
+      <p:pic>
+        <p:nvPicPr>
+          <p:cNvPr id="5" name="Picture 4"/>
+          <p:cNvPicPr>
+            <a:picLocks noChangeAspect="1"/>
+          </p:cNvPicPr>
+          <p:nvPr/>
+        </p:nvPicPr>
+        <p:blipFill>
+          <a:blip r:embed="rId2"/>
+          <a:stretch>
+            <a:fillRect/>
+          </a:stretch>
+        </p:blipFill>
+        <p:spPr>
+          <a:xfrm>
+            <a:off x="1220709" y="2834384"/>
+            <a:ext cx="6048375" cy="676275"/>
+          </a:xfrm>
+          <a:prstGeom prst="rect">
+            <a:avLst/>
+          </a:prstGeom>
+        </p:spPr>
+      </p:pic>
+      <p:pic>
+        <p:nvPicPr>
+          <p:cNvPr id="6" name="Picture 5"/>
+          <p:cNvPicPr>
+            <a:picLocks noChangeAspect="1"/>
+          </p:cNvPicPr>
+          <p:nvPr/>
+        </p:nvPicPr>
+        <p:blipFill>
+          <a:blip r:embed="rId3"/>
+          <a:stretch>
+            <a:fillRect/>
+          </a:stretch>
+        </p:blipFill>
+        <p:spPr>
+          <a:xfrm>
+            <a:off x="1220709" y="5157439"/>
+            <a:ext cx="5781675" cy="914400"/>
+          </a:xfrm>
+          <a:prstGeom prst="rect">
+            <a:avLst/>
+          </a:prstGeom>
+        </p:spPr>
+      </p:pic>
+    </p:spTree>
+    <p:extLst>
+      <p:ext uri="{BB962C8B-B14F-4D97-AF65-F5344CB8AC3E}">
+        <p14:creationId xmlns:p14="http://schemas.microsoft.com/office/powerpoint/2010/main" val="637886457"/>
+      </p:ext>
+    </p:extLst>
+  </p:cSld>
+  <p:clrMapOvr>
+    <a:masterClrMapping/>
+  </p:clrMapOvr>
+  <p:timing>
+    <p:tnLst>
+      <p:par>
+        <p:cTn id="1" dur="indefinite" restart="never" nodeType="tmRoot"/>
+      </p:par>
+    </p:tnLst>
+  </p:timing>
+</p:sld>
+</file>
+
+<file path=ppt/slides/slide36.xml><?xml version="1.0" encoding="utf-8"?>
+<p:sld xmlns:a="http://schemas.openxmlformats.org/drawingml/2006/main" xmlns:r="http://schemas.openxmlformats.org/officeDocument/2006/relationships" xmlns:p="http://schemas.openxmlformats.org/presentationml/2006/main">
+  <p:cSld>
+    <p:spTree>
+      <p:nvGrpSpPr>
+        <p:cNvPr id="1" name=""/>
+        <p:cNvGrpSpPr/>
+        <p:nvPr/>
+      </p:nvGrpSpPr>
+      <p:grpSpPr>
+        <a:xfrm>
+          <a:off x="0" y="0"/>
+          <a:ext cx="0" cy="0"/>
+          <a:chOff x="0" y="0"/>
+          <a:chExt cx="0" cy="0"/>
+        </a:xfrm>
+      </p:grpSpPr>
+      <p:sp>
+        <p:nvSpPr>
+          <p:cNvPr id="2" name="Title 1"/>
+          <p:cNvSpPr>
+            <a:spLocks noGrp="1"/>
+          </p:cNvSpPr>
+          <p:nvPr>
+            <p:ph type="title"/>
+          </p:nvPr>
+        </p:nvSpPr>
+        <p:spPr/>
+        <p:txBody>
+          <a:bodyPr/>
+          <a:lstStyle/>
+          <a:p>
+            <a:r>
               <a:rPr lang="en-US" dirty="0" smtClean="0"/>
               <a:t>Sets Continued..	</a:t>
             </a:r>
@@ -12038,6 +13063,451 @@
     <p:extLst>
       <p:ext uri="{BB962C8B-B14F-4D97-AF65-F5344CB8AC3E}">
         <p14:creationId xmlns:p14="http://schemas.microsoft.com/office/powerpoint/2010/main" val="1867545790"/>
+      </p:ext>
+    </p:extLst>
+  </p:cSld>
+  <p:clrMapOvr>
+    <a:masterClrMapping/>
+  </p:clrMapOvr>
+</p:sld>
+</file>
+
+<file path=ppt/slides/slide37.xml><?xml version="1.0" encoding="utf-8"?>
+<p:sld xmlns:a="http://schemas.openxmlformats.org/drawingml/2006/main" xmlns:r="http://schemas.openxmlformats.org/officeDocument/2006/relationships" xmlns:p="http://schemas.openxmlformats.org/presentationml/2006/main">
+  <p:cSld>
+    <p:spTree>
+      <p:nvGrpSpPr>
+        <p:cNvPr id="1" name=""/>
+        <p:cNvGrpSpPr/>
+        <p:nvPr/>
+      </p:nvGrpSpPr>
+      <p:grpSpPr>
+        <a:xfrm>
+          <a:off x="0" y="0"/>
+          <a:ext cx="0" cy="0"/>
+          <a:chOff x="0" y="0"/>
+          <a:chExt cx="0" cy="0"/>
+        </a:xfrm>
+      </p:grpSpPr>
+      <p:sp>
+        <p:nvSpPr>
+          <p:cNvPr id="2" name="Title 1"/>
+          <p:cNvSpPr>
+            <a:spLocks noGrp="1"/>
+          </p:cNvSpPr>
+          <p:nvPr>
+            <p:ph type="title"/>
+          </p:nvPr>
+        </p:nvSpPr>
+        <p:spPr/>
+        <p:txBody>
+          <a:bodyPr/>
+          <a:lstStyle/>
+          <a:p>
+            <a:r>
+              <a:rPr lang="en-US" smtClean="0"/>
+              <a:t>Dictionaries</a:t>
+            </a:r>
+            <a:endParaRPr lang="en-US"/>
+          </a:p>
+        </p:txBody>
+      </p:sp>
+      <p:sp>
+        <p:nvSpPr>
+          <p:cNvPr id="3" name="Content Placeholder 2"/>
+          <p:cNvSpPr>
+            <a:spLocks noGrp="1"/>
+          </p:cNvSpPr>
+          <p:nvPr>
+            <p:ph idx="1"/>
+          </p:nvPr>
+        </p:nvSpPr>
+        <p:spPr/>
+        <p:txBody>
+          <a:bodyPr/>
+          <a:lstStyle/>
+          <a:p>
+            <a:r>
+              <a:rPr lang="en-US" dirty="0"/>
+              <a:t>It is best to think of a dictionary as an unordered set of key: value pairs, with the requirement that the keys are unique (within one dictionary).</a:t>
+            </a:r>
+          </a:p>
+          <a:p>
+            <a:r>
+              <a:rPr lang="en-US" dirty="0"/>
+              <a:t>A pair of braces creates an empty dictionary: {}.</a:t>
+            </a:r>
+          </a:p>
+        </p:txBody>
+      </p:sp>
+    </p:spTree>
+    <p:extLst>
+      <p:ext uri="{BB962C8B-B14F-4D97-AF65-F5344CB8AC3E}">
+        <p14:creationId xmlns:p14="http://schemas.microsoft.com/office/powerpoint/2010/main" val="3575937436"/>
+      </p:ext>
+    </p:extLst>
+  </p:cSld>
+  <p:clrMapOvr>
+    <a:masterClrMapping/>
+  </p:clrMapOvr>
+</p:sld>
+</file>
+
+<file path=ppt/slides/slide38.xml><?xml version="1.0" encoding="utf-8"?>
+<p:sld xmlns:a="http://schemas.openxmlformats.org/drawingml/2006/main" xmlns:r="http://schemas.openxmlformats.org/officeDocument/2006/relationships" xmlns:p="http://schemas.openxmlformats.org/presentationml/2006/main">
+  <p:cSld>
+    <p:spTree>
+      <p:nvGrpSpPr>
+        <p:cNvPr id="1" name=""/>
+        <p:cNvGrpSpPr/>
+        <p:nvPr/>
+      </p:nvGrpSpPr>
+      <p:grpSpPr>
+        <a:xfrm>
+          <a:off x="0" y="0"/>
+          <a:ext cx="0" cy="0"/>
+          <a:chOff x="0" y="0"/>
+          <a:chExt cx="0" cy="0"/>
+        </a:xfrm>
+      </p:grpSpPr>
+      <p:sp>
+        <p:nvSpPr>
+          <p:cNvPr id="2" name="Title 1"/>
+          <p:cNvSpPr>
+            <a:spLocks noGrp="1"/>
+          </p:cNvSpPr>
+          <p:nvPr>
+            <p:ph type="title"/>
+          </p:nvPr>
+        </p:nvSpPr>
+        <p:spPr/>
+        <p:txBody>
+          <a:bodyPr/>
+          <a:lstStyle/>
+          <a:p>
+            <a:r>
+              <a:rPr lang="en-US" dirty="0" smtClean="0"/>
+              <a:t>Dictionaries</a:t>
+            </a:r>
+            <a:endParaRPr lang="en-US" dirty="0"/>
+          </a:p>
+        </p:txBody>
+      </p:sp>
+      <p:sp>
+        <p:nvSpPr>
+          <p:cNvPr id="3" name="Content Placeholder 2"/>
+          <p:cNvSpPr>
+            <a:spLocks noGrp="1"/>
+          </p:cNvSpPr>
+          <p:nvPr>
+            <p:ph idx="1"/>
+          </p:nvPr>
+        </p:nvSpPr>
+        <p:spPr>
+          <a:xfrm>
+            <a:off x="838200" y="1475509"/>
+            <a:ext cx="10515600" cy="5185064"/>
+          </a:xfrm>
+        </p:spPr>
+        <p:txBody>
+          <a:bodyPr>
+            <a:normAutofit fontScale="55000" lnSpcReduction="20000"/>
+          </a:bodyPr>
+          <a:lstStyle/>
+          <a:p>
+            <a:r>
+              <a:rPr lang="en-US" dirty="0"/>
+              <a:t>&gt;&gt;&gt; </a:t>
+            </a:r>
+            <a:r>
+              <a:rPr lang="en-US" dirty="0" err="1"/>
+              <a:t>tel</a:t>
+            </a:r>
+            <a:r>
+              <a:rPr lang="en-US" dirty="0"/>
+              <a:t> = {'jack': 4098, '</a:t>
+            </a:r>
+            <a:r>
+              <a:rPr lang="en-US" dirty="0" err="1"/>
+              <a:t>sape</a:t>
+            </a:r>
+            <a:r>
+              <a:rPr lang="en-US" dirty="0"/>
+              <a:t>': 4139}</a:t>
+            </a:r>
+          </a:p>
+          <a:p>
+            <a:r>
+              <a:rPr lang="en-US" dirty="0"/>
+              <a:t>&gt;&gt;&gt; </a:t>
+            </a:r>
+            <a:r>
+              <a:rPr lang="en-US" dirty="0" err="1"/>
+              <a:t>tel</a:t>
+            </a:r>
+            <a:r>
+              <a:rPr lang="en-US" dirty="0"/>
+              <a:t>['</a:t>
+            </a:r>
+            <a:r>
+              <a:rPr lang="en-US" dirty="0" err="1"/>
+              <a:t>guido</a:t>
+            </a:r>
+            <a:r>
+              <a:rPr lang="en-US" dirty="0"/>
+              <a:t>'] = 4127</a:t>
+            </a:r>
+          </a:p>
+          <a:p>
+            <a:r>
+              <a:rPr lang="en-US" dirty="0"/>
+              <a:t>&gt;&gt;&gt; </a:t>
+            </a:r>
+            <a:r>
+              <a:rPr lang="en-US" dirty="0" err="1"/>
+              <a:t>tel</a:t>
+            </a:r>
+            <a:endParaRPr lang="en-US" dirty="0"/>
+          </a:p>
+          <a:p>
+            <a:r>
+              <a:rPr lang="en-US" dirty="0"/>
+              <a:t>{'</a:t>
+            </a:r>
+            <a:r>
+              <a:rPr lang="en-US" dirty="0" err="1"/>
+              <a:t>sape</a:t>
+            </a:r>
+            <a:r>
+              <a:rPr lang="en-US" dirty="0"/>
+              <a:t>': 4139, '</a:t>
+            </a:r>
+            <a:r>
+              <a:rPr lang="en-US" dirty="0" err="1"/>
+              <a:t>guido</a:t>
+            </a:r>
+            <a:r>
+              <a:rPr lang="en-US" dirty="0"/>
+              <a:t>': 4127, 'jack': 4098}</a:t>
+            </a:r>
+          </a:p>
+          <a:p>
+            <a:r>
+              <a:rPr lang="en-US" dirty="0"/>
+              <a:t>&gt;&gt;&gt; </a:t>
+            </a:r>
+            <a:r>
+              <a:rPr lang="en-US" dirty="0" err="1"/>
+              <a:t>tel</a:t>
+            </a:r>
+            <a:r>
+              <a:rPr lang="en-US" dirty="0"/>
+              <a:t>['jack']</a:t>
+            </a:r>
+          </a:p>
+          <a:p>
+            <a:r>
+              <a:rPr lang="en-US" dirty="0"/>
+              <a:t>4098</a:t>
+            </a:r>
+          </a:p>
+          <a:p>
+            <a:r>
+              <a:rPr lang="en-US" dirty="0"/>
+              <a:t>&gt;&gt;&gt; del </a:t>
+            </a:r>
+            <a:r>
+              <a:rPr lang="en-US" dirty="0" err="1"/>
+              <a:t>tel</a:t>
+            </a:r>
+            <a:r>
+              <a:rPr lang="en-US" dirty="0"/>
+              <a:t>['</a:t>
+            </a:r>
+            <a:r>
+              <a:rPr lang="en-US" dirty="0" err="1"/>
+              <a:t>sape</a:t>
+            </a:r>
+            <a:r>
+              <a:rPr lang="en-US" dirty="0"/>
+              <a:t>']</a:t>
+            </a:r>
+          </a:p>
+          <a:p>
+            <a:r>
+              <a:rPr lang="en-US" dirty="0"/>
+              <a:t>&gt;&gt;&gt; </a:t>
+            </a:r>
+            <a:r>
+              <a:rPr lang="en-US" dirty="0" err="1"/>
+              <a:t>tel</a:t>
+            </a:r>
+            <a:r>
+              <a:rPr lang="en-US" dirty="0"/>
+              <a:t>['</a:t>
+            </a:r>
+            <a:r>
+              <a:rPr lang="en-US" dirty="0" err="1"/>
+              <a:t>irv</a:t>
+            </a:r>
+            <a:r>
+              <a:rPr lang="en-US" dirty="0"/>
+              <a:t>'] = 4127</a:t>
+            </a:r>
+          </a:p>
+          <a:p>
+            <a:r>
+              <a:rPr lang="en-US" dirty="0"/>
+              <a:t>&gt;&gt;&gt; </a:t>
+            </a:r>
+            <a:r>
+              <a:rPr lang="en-US" dirty="0" err="1"/>
+              <a:t>tel</a:t>
+            </a:r>
+            <a:endParaRPr lang="en-US" dirty="0"/>
+          </a:p>
+          <a:p>
+            <a:r>
+              <a:rPr lang="en-US" dirty="0"/>
+              <a:t>{'</a:t>
+            </a:r>
+            <a:r>
+              <a:rPr lang="en-US" dirty="0" err="1"/>
+              <a:t>guido</a:t>
+            </a:r>
+            <a:r>
+              <a:rPr lang="en-US" dirty="0"/>
+              <a:t>': 4127, '</a:t>
+            </a:r>
+            <a:r>
+              <a:rPr lang="en-US" dirty="0" err="1"/>
+              <a:t>irv</a:t>
+            </a:r>
+            <a:r>
+              <a:rPr lang="en-US" dirty="0"/>
+              <a:t>': 4127, 'jack': 4098}</a:t>
+            </a:r>
+          </a:p>
+          <a:p>
+            <a:r>
+              <a:rPr lang="en-US" dirty="0"/>
+              <a:t>&gt;&gt;&gt; list(</a:t>
+            </a:r>
+            <a:r>
+              <a:rPr lang="en-US" dirty="0" err="1"/>
+              <a:t>tel.keys</a:t>
+            </a:r>
+            <a:r>
+              <a:rPr lang="en-US" dirty="0"/>
+              <a:t>())</a:t>
+            </a:r>
+          </a:p>
+          <a:p>
+            <a:r>
+              <a:rPr lang="en-US" dirty="0"/>
+              <a:t>['</a:t>
+            </a:r>
+            <a:r>
+              <a:rPr lang="en-US" dirty="0" err="1"/>
+              <a:t>irv</a:t>
+            </a:r>
+            <a:r>
+              <a:rPr lang="en-US" dirty="0"/>
+              <a:t>', '</a:t>
+            </a:r>
+            <a:r>
+              <a:rPr lang="en-US" dirty="0" err="1"/>
+              <a:t>guido</a:t>
+            </a:r>
+            <a:r>
+              <a:rPr lang="en-US" dirty="0"/>
+              <a:t>', 'jack']</a:t>
+            </a:r>
+          </a:p>
+          <a:p>
+            <a:r>
+              <a:rPr lang="en-US" dirty="0"/>
+              <a:t>&gt;&gt;&gt; sorted(</a:t>
+            </a:r>
+            <a:r>
+              <a:rPr lang="en-US" dirty="0" err="1"/>
+              <a:t>tel.keys</a:t>
+            </a:r>
+            <a:r>
+              <a:rPr lang="en-US" dirty="0"/>
+              <a:t>())</a:t>
+            </a:r>
+          </a:p>
+          <a:p>
+            <a:r>
+              <a:rPr lang="en-US" dirty="0"/>
+              <a:t>['</a:t>
+            </a:r>
+            <a:r>
+              <a:rPr lang="en-US" dirty="0" err="1"/>
+              <a:t>guido</a:t>
+            </a:r>
+            <a:r>
+              <a:rPr lang="en-US" dirty="0"/>
+              <a:t>', '</a:t>
+            </a:r>
+            <a:r>
+              <a:rPr lang="en-US" dirty="0" err="1"/>
+              <a:t>irv</a:t>
+            </a:r>
+            <a:r>
+              <a:rPr lang="en-US" dirty="0"/>
+              <a:t>', 'jack']</a:t>
+            </a:r>
+          </a:p>
+          <a:p>
+            <a:r>
+              <a:rPr lang="en-US" dirty="0"/>
+              <a:t>&gt;&gt;&gt; '</a:t>
+            </a:r>
+            <a:r>
+              <a:rPr lang="en-US" dirty="0" err="1"/>
+              <a:t>guido</a:t>
+            </a:r>
+            <a:r>
+              <a:rPr lang="en-US" dirty="0"/>
+              <a:t>' in </a:t>
+            </a:r>
+            <a:r>
+              <a:rPr lang="en-US" dirty="0" err="1"/>
+              <a:t>tel</a:t>
+            </a:r>
+            <a:endParaRPr lang="en-US" dirty="0"/>
+          </a:p>
+          <a:p>
+            <a:r>
+              <a:rPr lang="en-US" dirty="0"/>
+              <a:t>True</a:t>
+            </a:r>
+          </a:p>
+          <a:p>
+            <a:r>
+              <a:rPr lang="en-US" dirty="0"/>
+              <a:t>&gt;&gt;&gt; 'jack' not in </a:t>
+            </a:r>
+            <a:r>
+              <a:rPr lang="en-US" dirty="0" err="1"/>
+              <a:t>tel</a:t>
+            </a:r>
+            <a:endParaRPr lang="en-US" dirty="0"/>
+          </a:p>
+          <a:p>
+            <a:r>
+              <a:rPr lang="en-US" dirty="0"/>
+              <a:t>False</a:t>
+            </a:r>
+          </a:p>
+        </p:txBody>
+      </p:sp>
+    </p:spTree>
+    <p:extLst>
+      <p:ext uri="{BB962C8B-B14F-4D97-AF65-F5344CB8AC3E}">
+        <p14:creationId xmlns:p14="http://schemas.microsoft.com/office/powerpoint/2010/main" val="771800606"/>
       </p:ext>
     </p:extLst>
   </p:cSld>

--- a/Introduction to Python.pptx
+++ b/Introduction to Python.pptx
@@ -5,7 +5,7 @@
     <p:sldMasterId id="2147483648" r:id="rId1"/>
   </p:sldMasterIdLst>
   <p:notesMasterIdLst>
-    <p:notesMasterId r:id="rId40"/>
+    <p:notesMasterId r:id="rId45"/>
   </p:notesMasterIdLst>
   <p:sldIdLst>
     <p:sldId id="256" r:id="rId2"/>
@@ -46,6 +46,11 @@
     <p:sldId id="287" r:id="rId37"/>
     <p:sldId id="295" r:id="rId38"/>
     <p:sldId id="294" r:id="rId39"/>
+    <p:sldId id="296" r:id="rId40"/>
+    <p:sldId id="297" r:id="rId41"/>
+    <p:sldId id="298" r:id="rId42"/>
+    <p:sldId id="299" r:id="rId43"/>
+    <p:sldId id="300" r:id="rId44"/>
   </p:sldIdLst>
   <p:sldSz cx="12192000" cy="6858000"/>
   <p:notesSz cx="6858000" cy="9144000"/>
@@ -234,7 +239,7 @@
           <a:p>
             <a:fld id="{49373B22-8E42-449E-B601-BEB4B959B836}" type="datetimeFigureOut">
               <a:rPr lang="en-US" smtClean="0"/>
-              <a:t>10/16/2017</a:t>
+              <a:t>10/24/2017</a:t>
             </a:fld>
             <a:endParaRPr lang="en-US"/>
           </a:p>
@@ -1968,7 +1973,7 @@
           <a:p>
             <a:fld id="{BEFF94CE-D5D3-4853-B319-7593F6BB91E0}" type="datetimeFigureOut">
               <a:rPr lang="en-US" smtClean="0"/>
-              <a:t>10/16/2017</a:t>
+              <a:t>10/24/2017</a:t>
             </a:fld>
             <a:endParaRPr lang="en-US"/>
           </a:p>
@@ -2138,7 +2143,7 @@
           <a:p>
             <a:fld id="{BEFF94CE-D5D3-4853-B319-7593F6BB91E0}" type="datetimeFigureOut">
               <a:rPr lang="en-US" smtClean="0"/>
-              <a:t>10/16/2017</a:t>
+              <a:t>10/24/2017</a:t>
             </a:fld>
             <a:endParaRPr lang="en-US"/>
           </a:p>
@@ -2318,7 +2323,7 @@
           <a:p>
             <a:fld id="{BEFF94CE-D5D3-4853-B319-7593F6BB91E0}" type="datetimeFigureOut">
               <a:rPr lang="en-US" smtClean="0"/>
-              <a:t>10/16/2017</a:t>
+              <a:t>10/24/2017</a:t>
             </a:fld>
             <a:endParaRPr lang="en-US"/>
           </a:p>
@@ -2488,7 +2493,7 @@
           <a:p>
             <a:fld id="{BEFF94CE-D5D3-4853-B319-7593F6BB91E0}" type="datetimeFigureOut">
               <a:rPr lang="en-US" smtClean="0"/>
-              <a:t>10/16/2017</a:t>
+              <a:t>10/24/2017</a:t>
             </a:fld>
             <a:endParaRPr lang="en-US"/>
           </a:p>
@@ -2734,7 +2739,7 @@
           <a:p>
             <a:fld id="{BEFF94CE-D5D3-4853-B319-7593F6BB91E0}" type="datetimeFigureOut">
               <a:rPr lang="en-US" smtClean="0"/>
-              <a:t>10/16/2017</a:t>
+              <a:t>10/24/2017</a:t>
             </a:fld>
             <a:endParaRPr lang="en-US"/>
           </a:p>
@@ -2966,7 +2971,7 @@
           <a:p>
             <a:fld id="{BEFF94CE-D5D3-4853-B319-7593F6BB91E0}" type="datetimeFigureOut">
               <a:rPr lang="en-US" smtClean="0"/>
-              <a:t>10/16/2017</a:t>
+              <a:t>10/24/2017</a:t>
             </a:fld>
             <a:endParaRPr lang="en-US"/>
           </a:p>
@@ -3333,7 +3338,7 @@
           <a:p>
             <a:fld id="{BEFF94CE-D5D3-4853-B319-7593F6BB91E0}" type="datetimeFigureOut">
               <a:rPr lang="en-US" smtClean="0"/>
-              <a:t>10/16/2017</a:t>
+              <a:t>10/24/2017</a:t>
             </a:fld>
             <a:endParaRPr lang="en-US"/>
           </a:p>
@@ -3451,7 +3456,7 @@
           <a:p>
             <a:fld id="{BEFF94CE-D5D3-4853-B319-7593F6BB91E0}" type="datetimeFigureOut">
               <a:rPr lang="en-US" smtClean="0"/>
-              <a:t>10/16/2017</a:t>
+              <a:t>10/24/2017</a:t>
             </a:fld>
             <a:endParaRPr lang="en-US"/>
           </a:p>
@@ -3546,7 +3551,7 @@
           <a:p>
             <a:fld id="{BEFF94CE-D5D3-4853-B319-7593F6BB91E0}" type="datetimeFigureOut">
               <a:rPr lang="en-US" smtClean="0"/>
-              <a:t>10/16/2017</a:t>
+              <a:t>10/24/2017</a:t>
             </a:fld>
             <a:endParaRPr lang="en-US"/>
           </a:p>
@@ -3823,7 +3828,7 @@
           <a:p>
             <a:fld id="{BEFF94CE-D5D3-4853-B319-7593F6BB91E0}" type="datetimeFigureOut">
               <a:rPr lang="en-US" smtClean="0"/>
-              <a:t>10/16/2017</a:t>
+              <a:t>10/24/2017</a:t>
             </a:fld>
             <a:endParaRPr lang="en-US"/>
           </a:p>
@@ -4076,7 +4081,7 @@
           <a:p>
             <a:fld id="{BEFF94CE-D5D3-4853-B319-7593F6BB91E0}" type="datetimeFigureOut">
               <a:rPr lang="en-US" smtClean="0"/>
-              <a:t>10/16/2017</a:t>
+              <a:t>10/24/2017</a:t>
             </a:fld>
             <a:endParaRPr lang="en-US"/>
           </a:p>
@@ -4289,7 +4294,7 @@
           <a:p>
             <a:fld id="{BEFF94CE-D5D3-4853-B319-7593F6BB91E0}" type="datetimeFigureOut">
               <a:rPr lang="en-US" smtClean="0"/>
-              <a:t>10/16/2017</a:t>
+              <a:t>10/24/2017</a:t>
             </a:fld>
             <a:endParaRPr lang="en-US"/>
           </a:p>
@@ -10217,7 +10222,7 @@
               <a:buNone/>
             </a:pPr>
             <a:r>
-              <a:rPr lang="en-US" sz="1600"/>
+              <a:rPr lang="en-US" sz="1600" dirty="0"/>
               <a:t>&gt;&gt;&gt; ids = ["9pti", "2plv", "1crn"]</a:t>
             </a:r>
           </a:p>
@@ -10230,8 +10235,16 @@
               <a:buNone/>
             </a:pPr>
             <a:r>
-              <a:rPr lang="en-US" sz="1600"/>
-              <a:t>&gt;&gt;&gt; ids.append("1alm")</a:t>
+              <a:rPr lang="en-US" sz="1600" dirty="0"/>
+              <a:t>&gt;&gt;&gt; </a:t>
+            </a:r>
+            <a:r>
+              <a:rPr lang="en-US" sz="1600" dirty="0" err="1"/>
+              <a:t>ids.append</a:t>
+            </a:r>
+            <a:r>
+              <a:rPr lang="en-US" sz="1600" dirty="0"/>
+              <a:t>("1alm")</a:t>
             </a:r>
           </a:p>
           <a:p>
@@ -10243,14 +10256,14 @@
               <a:buNone/>
             </a:pPr>
             <a:r>
-              <a:rPr lang="en-US" sz="1600"/>
+              <a:rPr lang="en-US" sz="1600" dirty="0"/>
               <a:t>&gt;&gt;&gt; </a:t>
             </a:r>
             <a:r>
-              <a:rPr lang="en-US" sz="1600" smtClean="0"/>
+              <a:rPr lang="en-US" sz="1600" dirty="0" err="1" smtClean="0"/>
               <a:t>idss</a:t>
             </a:r>
-            <a:endParaRPr lang="en-US" sz="1600"/>
+            <a:endParaRPr lang="en-US" sz="1600" dirty="0"/>
           </a:p>
           <a:p>
             <a:pPr>
@@ -10261,7 +10274,7 @@
               <a:buNone/>
             </a:pPr>
             <a:r>
-              <a:rPr lang="en-US" sz="1600">
+              <a:rPr lang="en-US" sz="1600" dirty="0">
                 <a:solidFill>
                   <a:srgbClr val="99FF33"/>
                 </a:solidFill>
@@ -10283,8 +10296,16 @@
               <a:buNone/>
             </a:pPr>
             <a:r>
-              <a:rPr lang="en-US" sz="1600"/>
-              <a:t>&gt;&gt;&gt;ids.extend(L)</a:t>
+              <a:rPr lang="en-US" sz="1600" dirty="0"/>
+              <a:t>&gt;&gt;&gt;</a:t>
+            </a:r>
+            <a:r>
+              <a:rPr lang="en-US" sz="1600" dirty="0" err="1"/>
+              <a:t>ids.extend</a:t>
+            </a:r>
+            <a:r>
+              <a:rPr lang="en-US" sz="1600" dirty="0"/>
+              <a:t>(L)</a:t>
             </a:r>
           </a:p>
           <a:p>
@@ -10296,7 +10317,7 @@
               <a:buNone/>
             </a:pPr>
             <a:r>
-              <a:rPr lang="en-US" sz="1600">
+              <a:rPr lang="en-US" sz="1600" dirty="0">
                 <a:solidFill>
                   <a:srgbClr val="99FF33"/>
                 </a:solidFill>
@@ -10306,7 +10327,33 @@
                   </a:outerShdw>
                 </a:effectLst>
               </a:rPr>
-              <a:t>    Extend the list by appending all the items in the given list; equivalent to a[len(a):] = L.</a:t>
+              <a:t>    Extend the list by appending all the items in the given list; equivalent to a[</a:t>
+            </a:r>
+            <a:r>
+              <a:rPr lang="en-US" sz="1600" dirty="0" err="1">
+                <a:solidFill>
+                  <a:srgbClr val="99FF33"/>
+                </a:solidFill>
+                <a:effectLst>
+                  <a:outerShdw blurRad="38100" dist="38100" dir="2700000" algn="tl">
+                    <a:srgbClr val="FFFFFF"/>
+                  </a:outerShdw>
+                </a:effectLst>
+              </a:rPr>
+              <a:t>len</a:t>
+            </a:r>
+            <a:r>
+              <a:rPr lang="en-US" sz="1600" dirty="0">
+                <a:solidFill>
+                  <a:srgbClr val="99FF33"/>
+                </a:solidFill>
+                <a:effectLst>
+                  <a:outerShdw blurRad="38100" dist="38100" dir="2700000" algn="tl">
+                    <a:srgbClr val="FFFFFF"/>
+                  </a:outerShdw>
+                </a:effectLst>
+              </a:rPr>
+              <a:t>(a):] = L.</a:t>
             </a:r>
           </a:p>
           <a:p>
@@ -10318,7 +10365,7 @@
               <a:buNone/>
             </a:pPr>
             <a:r>
-              <a:rPr lang="en-US" sz="1600"/>
+              <a:rPr lang="en-US" sz="1600" dirty="0"/>
               <a:t>&gt;&gt;&gt; del ids[0]</a:t>
             </a:r>
           </a:p>
@@ -10331,7 +10378,7 @@
               <a:buNone/>
             </a:pPr>
             <a:r>
-              <a:rPr lang="en-US" sz="1600"/>
+              <a:rPr lang="en-US" sz="1600" dirty="0"/>
               <a:t>&gt;&gt;&gt; ids</a:t>
             </a:r>
           </a:p>
@@ -10344,7 +10391,7 @@
               <a:buNone/>
             </a:pPr>
             <a:r>
-              <a:rPr lang="en-US" sz="1600">
+              <a:rPr lang="en-US" sz="1600" dirty="0">
                 <a:solidFill>
                   <a:srgbClr val="99FF33"/>
                 </a:solidFill>
@@ -10366,8 +10413,16 @@
               <a:buNone/>
             </a:pPr>
             <a:r>
-              <a:rPr lang="en-US" sz="1600"/>
-              <a:t>&gt;&gt;&gt; ids.sort()</a:t>
+              <a:rPr lang="en-US" sz="1600" dirty="0"/>
+              <a:t>&gt;&gt;&gt; </a:t>
+            </a:r>
+            <a:r>
+              <a:rPr lang="en-US" sz="1600" dirty="0" err="1"/>
+              <a:t>ids.sort</a:t>
+            </a:r>
+            <a:r>
+              <a:rPr lang="en-US" sz="1600" dirty="0"/>
+              <a:t>()</a:t>
             </a:r>
           </a:p>
           <a:p>
@@ -10379,7 +10434,7 @@
               <a:buNone/>
             </a:pPr>
             <a:r>
-              <a:rPr lang="en-US" sz="1600"/>
+              <a:rPr lang="en-US" sz="1600" dirty="0"/>
               <a:t>&gt;&gt;&gt; ids</a:t>
             </a:r>
           </a:p>
@@ -10392,7 +10447,7 @@
               <a:buNone/>
             </a:pPr>
             <a:r>
-              <a:rPr lang="en-US" sz="1600">
+              <a:rPr lang="en-US" sz="1600" dirty="0">
                 <a:solidFill>
                   <a:srgbClr val="99FF33"/>
                 </a:solidFill>
@@ -10414,8 +10469,16 @@
               <a:buNone/>
             </a:pPr>
             <a:r>
-              <a:rPr lang="en-US" sz="1600"/>
-              <a:t>&gt;&gt;&gt; ids.reverse()</a:t>
+              <a:rPr lang="en-US" sz="1600" dirty="0"/>
+              <a:t>&gt;&gt;&gt; </a:t>
+            </a:r>
+            <a:r>
+              <a:rPr lang="en-US" sz="1600" dirty="0" err="1"/>
+              <a:t>ids.reverse</a:t>
+            </a:r>
+            <a:r>
+              <a:rPr lang="en-US" sz="1600" dirty="0"/>
+              <a:t>()</a:t>
             </a:r>
           </a:p>
           <a:p>
@@ -10427,7 +10490,7 @@
               <a:buNone/>
             </a:pPr>
             <a:r>
-              <a:rPr lang="en-US" sz="1600"/>
+              <a:rPr lang="en-US" sz="1600" dirty="0"/>
               <a:t>&gt;&gt;&gt; ids</a:t>
             </a:r>
           </a:p>
@@ -10440,7 +10503,7 @@
               <a:buNone/>
             </a:pPr>
             <a:r>
-              <a:rPr lang="en-US" sz="1600">
+              <a:rPr lang="en-US" sz="1600" dirty="0">
                 <a:solidFill>
                   <a:srgbClr val="99FF33"/>
                 </a:solidFill>
@@ -10462,8 +10525,16 @@
               <a:buNone/>
             </a:pPr>
             <a:r>
-              <a:rPr lang="en-US" sz="1600"/>
-              <a:t>&gt;&gt;&gt; ids.insert(0, "9pti")</a:t>
+              <a:rPr lang="en-US" sz="1600" dirty="0"/>
+              <a:t>&gt;&gt;&gt; </a:t>
+            </a:r>
+            <a:r>
+              <a:rPr lang="en-US" sz="1600" dirty="0" err="1"/>
+              <a:t>ids.insert</a:t>
+            </a:r>
+            <a:r>
+              <a:rPr lang="en-US" sz="1600" dirty="0"/>
+              <a:t>(0, "9pti")</a:t>
             </a:r>
           </a:p>
           <a:p>
@@ -10475,7 +10546,7 @@
               <a:buNone/>
             </a:pPr>
             <a:r>
-              <a:rPr lang="en-US" sz="1600"/>
+              <a:rPr lang="en-US" sz="1600" dirty="0"/>
               <a:t>&gt;&gt;&gt; ids</a:t>
             </a:r>
           </a:p>
@@ -10488,7 +10559,7 @@
               <a:buNone/>
             </a:pPr>
             <a:r>
-              <a:rPr lang="en-US" sz="1600">
+              <a:rPr lang="en-US" sz="1600" dirty="0">
                 <a:solidFill>
                   <a:srgbClr val="99FF33"/>
                 </a:solidFill>
@@ -10560,7 +10631,7 @@
           <a:lstStyle/>
           <a:p>
             <a:r>
-              <a:rPr lang="en-US" sz="2800">
+              <a:rPr lang="en-US" sz="2800" dirty="0">
                 <a:solidFill>
                   <a:srgbClr val="99FF33"/>
                 </a:solidFill>
@@ -10569,21 +10640,21 @@
             </a:r>
           </a:p>
           <a:p>
-            <a:endParaRPr lang="en-US" sz="2800">
+            <a:endParaRPr lang="en-US" sz="2800" dirty="0">
               <a:solidFill>
                 <a:srgbClr val="99FF33"/>
               </a:solidFill>
             </a:endParaRPr>
           </a:p>
           <a:p>
-            <a:endParaRPr lang="en-US" sz="2800" smtClean="0">
+            <a:endParaRPr lang="en-US" sz="2800" dirty="0" smtClean="0">
               <a:solidFill>
                 <a:srgbClr val="99FF33"/>
               </a:solidFill>
             </a:endParaRPr>
           </a:p>
           <a:p>
-            <a:endParaRPr lang="en-US" sz="2800">
+            <a:endParaRPr lang="en-US" sz="2800" dirty="0">
               <a:solidFill>
                 <a:srgbClr val="99FF33"/>
               </a:solidFill>
@@ -10591,7 +10662,7 @@
           </a:p>
           <a:p>
             <a:r>
-              <a:rPr lang="en-US" sz="2800" smtClean="0">
+              <a:rPr lang="en-US" sz="2800" dirty="0" smtClean="0">
                 <a:solidFill>
                   <a:srgbClr val="99FF33"/>
                 </a:solidFill>
@@ -10599,7 +10670,7 @@
               <a:t>remove </a:t>
             </a:r>
             <a:r>
-              <a:rPr lang="en-US" sz="2800">
+              <a:rPr lang="en-US" sz="2800" dirty="0">
                 <a:solidFill>
                   <a:srgbClr val="99FF33"/>
                 </a:solidFill>
@@ -10607,14 +10678,14 @@
               <a:t>an </a:t>
             </a:r>
             <a:r>
-              <a:rPr lang="en-US" sz="2800" smtClean="0">
+              <a:rPr lang="en-US" sz="2800" dirty="0" smtClean="0">
                 <a:solidFill>
                   <a:srgbClr val="99FF33"/>
                 </a:solidFill>
               </a:rPr>
               <a:t>element</a:t>
             </a:r>
-            <a:endParaRPr lang="en-US" sz="2800">
+            <a:endParaRPr lang="en-US" sz="2800" dirty="0">
               <a:solidFill>
                 <a:srgbClr val="99FF33"/>
               </a:solidFill>
@@ -10622,7 +10693,7 @@
           </a:p>
           <a:p>
             <a:r>
-              <a:rPr lang="en-US" sz="2800">
+              <a:rPr lang="en-US" sz="2800" dirty="0">
                 <a:solidFill>
                   <a:srgbClr val="99FF33"/>
                 </a:solidFill>
@@ -10631,7 +10702,7 @@
             </a:r>
           </a:p>
           <a:p>
-            <a:endParaRPr lang="en-US" sz="2800">
+            <a:endParaRPr lang="en-US" sz="2800" dirty="0">
               <a:solidFill>
                 <a:srgbClr val="99FF33"/>
               </a:solidFill>
@@ -10639,7 +10710,7 @@
           </a:p>
           <a:p>
             <a:r>
-              <a:rPr lang="en-US" sz="2800">
+              <a:rPr lang="en-US" sz="2800" dirty="0">
                 <a:solidFill>
                   <a:srgbClr val="99FF33"/>
                 </a:solidFill>
@@ -10648,7 +10719,7 @@
             </a:r>
           </a:p>
           <a:p>
-            <a:endParaRPr lang="en-US" sz="2800">
+            <a:endParaRPr lang="en-US" sz="2800" dirty="0">
               <a:solidFill>
                 <a:srgbClr val="99FF33"/>
               </a:solidFill>
@@ -10656,7 +10727,7 @@
           </a:p>
           <a:p>
             <a:r>
-              <a:rPr lang="en-US" sz="2800">
+              <a:rPr lang="en-US" sz="2800" dirty="0">
                 <a:solidFill>
                   <a:srgbClr val="99FF33"/>
                 </a:solidFill>
@@ -10666,7 +10737,7 @@
           </a:p>
           <a:p>
             <a:r>
-              <a:rPr lang="en-US" sz="2800">
+              <a:rPr lang="en-US" sz="2800" dirty="0">
                 <a:solidFill>
                   <a:srgbClr val="99FF33"/>
                 </a:solidFill>
@@ -10676,7 +10747,7 @@
           </a:p>
           <a:p>
             <a:r>
-              <a:rPr lang="en-US" sz="2800">
+              <a:rPr lang="en-US" sz="2800" dirty="0">
                 <a:solidFill>
                   <a:srgbClr val="99FF33"/>
                 </a:solidFill>
@@ -10874,66 +10945,74 @@
           <a:lstStyle/>
           <a:p>
             <a:r>
-              <a:rPr lang="en-US"/>
+              <a:rPr lang="en-US" dirty="0"/>
               <a:t>&gt;&gt;&gt; x = [1,2,3]</a:t>
             </a:r>
           </a:p>
           <a:p>
             <a:r>
-              <a:rPr lang="en-US"/>
+              <a:rPr lang="en-US" dirty="0"/>
               <a:t>&gt;&gt;&gt; y = x</a:t>
             </a:r>
           </a:p>
           <a:p>
             <a:r>
-              <a:rPr lang="en-US"/>
+              <a:rPr lang="en-US" dirty="0"/>
               <a:t>&gt;&gt;&gt; x[1] = 15</a:t>
             </a:r>
           </a:p>
           <a:p>
             <a:r>
-              <a:rPr lang="en-US"/>
+              <a:rPr lang="en-US" dirty="0"/>
               <a:t>&gt;&gt;&gt; x</a:t>
             </a:r>
           </a:p>
           <a:p>
             <a:r>
-              <a:rPr lang="en-US"/>
+              <a:rPr lang="en-US" dirty="0"/>
               <a:t>[1, 15, 3]</a:t>
             </a:r>
           </a:p>
           <a:p>
             <a:r>
-              <a:rPr lang="en-US"/>
+              <a:rPr lang="en-US" dirty="0"/>
               <a:t>&gt;&gt;&gt; y</a:t>
             </a:r>
           </a:p>
           <a:p>
             <a:r>
-              <a:rPr lang="en-US"/>
+              <a:rPr lang="en-US" dirty="0"/>
               <a:t>[1, 15, 3]</a:t>
             </a:r>
           </a:p>
           <a:p>
             <a:r>
-              <a:rPr lang="en-US"/>
-              <a:t>&gt;&gt;&gt; x.append(12)</a:t>
-            </a:r>
-          </a:p>
-          <a:p>
-            <a:r>
-              <a:rPr lang="en-US"/>
+              <a:rPr lang="en-US" dirty="0"/>
+              <a:t>&gt;&gt;&gt; </a:t>
+            </a:r>
+            <a:r>
+              <a:rPr lang="en-US" dirty="0" err="1"/>
+              <a:t>x.append</a:t>
+            </a:r>
+            <a:r>
+              <a:rPr lang="en-US" dirty="0"/>
+              <a:t>(12)</a:t>
+            </a:r>
+          </a:p>
+          <a:p>
+            <a:r>
+              <a:rPr lang="en-US" dirty="0"/>
               <a:t>&gt;&gt;&gt; y</a:t>
             </a:r>
           </a:p>
           <a:p>
             <a:r>
-              <a:rPr lang="en-US"/>
+              <a:rPr lang="en-US" dirty="0"/>
               <a:t>[1, 15, 3, 12]</a:t>
             </a:r>
           </a:p>
           <a:p>
-            <a:endParaRPr lang="en-US"/>
+            <a:endParaRPr lang="en-US" dirty="0"/>
           </a:p>
         </p:txBody>
       </p:sp>
@@ -12670,11 +12749,7 @@
           <a:p>
             <a:r>
               <a:rPr lang="en-US" dirty="0" smtClean="0"/>
-              <a:t>&gt;&gt;&gt; </a:t>
-            </a:r>
-            <a:r>
-              <a:rPr lang="en-US" dirty="0" smtClean="0"/>
-              <a:t>x </a:t>
+              <a:t>&gt;&gt;&gt; x </a:t>
             </a:r>
             <a:r>
               <a:rPr lang="en-US" dirty="0"/>
@@ -13105,10 +13180,10 @@
           <a:lstStyle/>
           <a:p>
             <a:r>
-              <a:rPr lang="en-US" smtClean="0"/>
+              <a:rPr lang="en-US" dirty="0" smtClean="0"/>
               <a:t>Dictionaries</a:t>
             </a:r>
-            <a:endParaRPr lang="en-US"/>
+            <a:endParaRPr lang="en-US" dirty="0"/>
           </a:p>
         </p:txBody>
       </p:sp>
@@ -13517,6 +13592,158 @@
 </p:sld>
 </file>
 
+<file path=ppt/slides/slide39.xml><?xml version="1.0" encoding="utf-8"?>
+<p:sld xmlns:a="http://schemas.openxmlformats.org/drawingml/2006/main" xmlns:r="http://schemas.openxmlformats.org/officeDocument/2006/relationships" xmlns:p="http://schemas.openxmlformats.org/presentationml/2006/main">
+  <p:cSld>
+    <p:spTree>
+      <p:nvGrpSpPr>
+        <p:cNvPr id="1" name=""/>
+        <p:cNvGrpSpPr/>
+        <p:nvPr/>
+      </p:nvGrpSpPr>
+      <p:grpSpPr>
+        <a:xfrm>
+          <a:off x="0" y="0"/>
+          <a:ext cx="0" cy="0"/>
+          <a:chOff x="0" y="0"/>
+          <a:chExt cx="0" cy="0"/>
+        </a:xfrm>
+      </p:grpSpPr>
+      <p:sp>
+        <p:nvSpPr>
+          <p:cNvPr id="2" name="Title 1"/>
+          <p:cNvSpPr>
+            <a:spLocks noGrp="1"/>
+          </p:cNvSpPr>
+          <p:nvPr>
+            <p:ph type="title"/>
+          </p:nvPr>
+        </p:nvSpPr>
+        <p:spPr/>
+        <p:txBody>
+          <a:bodyPr/>
+          <a:lstStyle/>
+          <a:p>
+            <a:r>
+              <a:rPr lang="en-US" dirty="0" smtClean="0"/>
+              <a:t>Dictionaries </a:t>
+            </a:r>
+            <a:r>
+              <a:rPr lang="en-US" dirty="0" err="1" smtClean="0"/>
+              <a:t>contd</a:t>
+            </a:r>
+            <a:r>
+              <a:rPr lang="en-US" dirty="0" smtClean="0"/>
+              <a:t>…</a:t>
+            </a:r>
+            <a:endParaRPr lang="en-US" dirty="0"/>
+          </a:p>
+        </p:txBody>
+      </p:sp>
+      <p:sp>
+        <p:nvSpPr>
+          <p:cNvPr id="3" name="Content Placeholder 2"/>
+          <p:cNvSpPr>
+            <a:spLocks noGrp="1"/>
+          </p:cNvSpPr>
+          <p:nvPr>
+            <p:ph idx="1"/>
+          </p:nvPr>
+        </p:nvSpPr>
+        <p:spPr/>
+        <p:txBody>
+          <a:bodyPr/>
+          <a:lstStyle/>
+          <a:p>
+            <a:r>
+              <a:rPr lang="en-US" dirty="0"/>
+              <a:t>The </a:t>
+            </a:r>
+            <a:r>
+              <a:rPr lang="en-US" dirty="0" err="1"/>
+              <a:t>dict</a:t>
+            </a:r>
+            <a:r>
+              <a:rPr lang="en-US" dirty="0"/>
+              <a:t>() constructor builds dictionaries directly from sequences of key-value pairs:</a:t>
+            </a:r>
+          </a:p>
+          <a:p>
+            <a:endParaRPr lang="en-US" dirty="0"/>
+          </a:p>
+          <a:p>
+            <a:pPr marL="0" indent="0">
+              <a:buNone/>
+            </a:pPr>
+            <a:r>
+              <a:rPr lang="en-US" dirty="0"/>
+              <a:t>&gt;&gt;&gt; </a:t>
+            </a:r>
+            <a:r>
+              <a:rPr lang="en-US" dirty="0" err="1"/>
+              <a:t>dict</a:t>
+            </a:r>
+            <a:r>
+              <a:rPr lang="en-US" dirty="0"/>
+              <a:t>([('</a:t>
+            </a:r>
+            <a:r>
+              <a:rPr lang="en-US" dirty="0" err="1"/>
+              <a:t>sape</a:t>
+            </a:r>
+            <a:r>
+              <a:rPr lang="en-US" dirty="0"/>
+              <a:t>', 4139), ('</a:t>
+            </a:r>
+            <a:r>
+              <a:rPr lang="en-US" dirty="0" err="1"/>
+              <a:t>guido</a:t>
+            </a:r>
+            <a:r>
+              <a:rPr lang="en-US" dirty="0"/>
+              <a:t>', 4127), ('jack', 4098)])</a:t>
+            </a:r>
+          </a:p>
+          <a:p>
+            <a:pPr marL="0" indent="0">
+              <a:buNone/>
+            </a:pPr>
+            <a:r>
+              <a:rPr lang="en-US" dirty="0"/>
+              <a:t>{'</a:t>
+            </a:r>
+            <a:r>
+              <a:rPr lang="en-US" dirty="0" err="1"/>
+              <a:t>sape</a:t>
+            </a:r>
+            <a:r>
+              <a:rPr lang="en-US" dirty="0"/>
+              <a:t>': 4139, 'jack': 4098, '</a:t>
+            </a:r>
+            <a:r>
+              <a:rPr lang="en-US" dirty="0" err="1"/>
+              <a:t>guido</a:t>
+            </a:r>
+            <a:r>
+              <a:rPr lang="en-US" dirty="0"/>
+              <a:t>': 4127}</a:t>
+            </a:r>
+          </a:p>
+        </p:txBody>
+      </p:sp>
+    </p:spTree>
+    <p:extLst>
+      <p:ext uri="{BB962C8B-B14F-4D97-AF65-F5344CB8AC3E}">
+        <p14:creationId xmlns:p14="http://schemas.microsoft.com/office/powerpoint/2010/main" val="834054333"/>
+      </p:ext>
+    </p:extLst>
+  </p:cSld>
+  <p:clrMapOvr>
+    <a:masterClrMapping/>
+  </p:clrMapOvr>
+</p:sld>
+</file>
+
 <file path=ppt/slides/slide4.xml><?xml version="1.0" encoding="utf-8"?>
 <p:sld xmlns:a="http://schemas.openxmlformats.org/drawingml/2006/main" xmlns:r="http://schemas.openxmlformats.org/officeDocument/2006/relationships" xmlns:p="http://schemas.openxmlformats.org/presentationml/2006/main">
   <p:cSld>
@@ -13764,6 +13991,967 @@
       </p:par>
     </p:tnLst>
   </p:timing>
+</p:sld>
+</file>
+
+<file path=ppt/slides/slide40.xml><?xml version="1.0" encoding="utf-8"?>
+<p:sld xmlns:a="http://schemas.openxmlformats.org/drawingml/2006/main" xmlns:r="http://schemas.openxmlformats.org/officeDocument/2006/relationships" xmlns:p="http://schemas.openxmlformats.org/presentationml/2006/main">
+  <p:cSld>
+    <p:spTree>
+      <p:nvGrpSpPr>
+        <p:cNvPr id="1" name=""/>
+        <p:cNvGrpSpPr/>
+        <p:nvPr/>
+      </p:nvGrpSpPr>
+      <p:grpSpPr>
+        <a:xfrm>
+          <a:off x="0" y="0"/>
+          <a:ext cx="0" cy="0"/>
+          <a:chOff x="0" y="0"/>
+          <a:chExt cx="0" cy="0"/>
+        </a:xfrm>
+      </p:grpSpPr>
+      <p:sp>
+        <p:nvSpPr>
+          <p:cNvPr id="3" name="Content Placeholder 2"/>
+          <p:cNvSpPr>
+            <a:spLocks noGrp="1"/>
+          </p:cNvSpPr>
+          <p:nvPr>
+            <p:ph idx="1"/>
+          </p:nvPr>
+        </p:nvSpPr>
+        <p:spPr>
+          <a:xfrm>
+            <a:off x="838200" y="332509"/>
+            <a:ext cx="10515600" cy="5844454"/>
+          </a:xfrm>
+        </p:spPr>
+        <p:txBody>
+          <a:bodyPr>
+            <a:normAutofit fontScale="77500" lnSpcReduction="20000"/>
+          </a:bodyPr>
+          <a:lstStyle/>
+          <a:p>
+            <a:r>
+              <a:rPr lang="en-US" dirty="0"/>
+              <a:t>When looping through dictionaries, the key and corresponding value can be retrieved at the same time using the items() method</a:t>
+            </a:r>
+            <a:r>
+              <a:rPr lang="en-US" dirty="0" smtClean="0"/>
+              <a:t>.</a:t>
+            </a:r>
+            <a:endParaRPr lang="en-US" dirty="0"/>
+          </a:p>
+          <a:p>
+            <a:pPr marL="0" indent="0">
+              <a:buNone/>
+            </a:pPr>
+            <a:r>
+              <a:rPr lang="en-US" dirty="0"/>
+              <a:t>&gt;&gt;&gt; knights = {'</a:t>
+            </a:r>
+            <a:r>
+              <a:rPr lang="en-US" dirty="0" err="1"/>
+              <a:t>gallahad</a:t>
+            </a:r>
+            <a:r>
+              <a:rPr lang="en-US" dirty="0"/>
+              <a:t>': 'the pure', 'robin': 'the brave'}</a:t>
+            </a:r>
+          </a:p>
+          <a:p>
+            <a:pPr marL="0" indent="0">
+              <a:buNone/>
+            </a:pPr>
+            <a:r>
+              <a:rPr lang="en-US" dirty="0" smtClean="0"/>
+              <a:t>&gt;&gt;&gt; </a:t>
+            </a:r>
+            <a:r>
+              <a:rPr lang="en-US" dirty="0"/>
+              <a:t>for k, v in </a:t>
+            </a:r>
+            <a:r>
+              <a:rPr lang="en-US" dirty="0" err="1"/>
+              <a:t>knights.items</a:t>
+            </a:r>
+            <a:r>
+              <a:rPr lang="en-US" dirty="0"/>
+              <a:t>():</a:t>
+            </a:r>
+          </a:p>
+          <a:p>
+            <a:pPr marL="0" indent="0">
+              <a:buNone/>
+            </a:pPr>
+            <a:r>
+              <a:rPr lang="en-US" dirty="0"/>
+              <a:t>...     print(k, v)</a:t>
+            </a:r>
+          </a:p>
+          <a:p>
+            <a:pPr marL="0" indent="0">
+              <a:buNone/>
+            </a:pPr>
+            <a:r>
+              <a:rPr lang="en-US" dirty="0"/>
+              <a:t>...</a:t>
+            </a:r>
+          </a:p>
+          <a:p>
+            <a:pPr marL="0" indent="0">
+              <a:buNone/>
+            </a:pPr>
+            <a:r>
+              <a:rPr lang="en-US" dirty="0" err="1"/>
+              <a:t>gallahad</a:t>
+            </a:r>
+            <a:r>
+              <a:rPr lang="en-US" dirty="0"/>
+              <a:t> the pure</a:t>
+            </a:r>
+          </a:p>
+          <a:p>
+            <a:pPr marL="0" indent="0">
+              <a:buNone/>
+            </a:pPr>
+            <a:r>
+              <a:rPr lang="en-US" dirty="0"/>
+              <a:t>robin the </a:t>
+            </a:r>
+            <a:r>
+              <a:rPr lang="en-US" dirty="0" smtClean="0"/>
+              <a:t>brave</a:t>
+            </a:r>
+          </a:p>
+          <a:p>
+            <a:pPr marL="0" indent="0">
+              <a:buNone/>
+            </a:pPr>
+            <a:r>
+              <a:rPr lang="en-US" dirty="0" smtClean="0"/>
+              <a:t>--------------------------------------------------</a:t>
+            </a:r>
+          </a:p>
+          <a:p>
+            <a:pPr marL="0" indent="0">
+              <a:buNone/>
+            </a:pPr>
+            <a:r>
+              <a:rPr lang="en-US" dirty="0"/>
+              <a:t>a={1:'alpha',2:'prime',3:'king',4:'knight</a:t>
+            </a:r>
+            <a:r>
+              <a:rPr lang="en-US" dirty="0" smtClean="0"/>
+              <a:t>'}</a:t>
+            </a:r>
+          </a:p>
+          <a:p>
+            <a:pPr marL="0" indent="0">
+              <a:buNone/>
+            </a:pPr>
+            <a:r>
+              <a:rPr lang="en-US" dirty="0"/>
+              <a:t>&gt;&gt;&gt; print (a)</a:t>
+            </a:r>
+          </a:p>
+          <a:p>
+            <a:pPr marL="0" indent="0">
+              <a:buNone/>
+            </a:pPr>
+            <a:r>
+              <a:rPr lang="en-US" dirty="0"/>
+              <a:t>{1: 'alpha', 2: 'prime', 3: 'king', 4: 'knight'}</a:t>
+            </a:r>
+          </a:p>
+          <a:p>
+            <a:pPr marL="0" indent="0">
+              <a:buNone/>
+            </a:pPr>
+            <a:r>
+              <a:rPr lang="en-US" dirty="0"/>
+              <a:t>&gt;&gt;&gt; </a:t>
+            </a:r>
+            <a:r>
+              <a:rPr lang="en-US" dirty="0" err="1"/>
+              <a:t>a.keys</a:t>
+            </a:r>
+            <a:r>
+              <a:rPr lang="en-US" dirty="0"/>
+              <a:t>()</a:t>
+            </a:r>
+          </a:p>
+          <a:p>
+            <a:pPr marL="0" indent="0">
+              <a:buNone/>
+            </a:pPr>
+            <a:r>
+              <a:rPr lang="en-US" dirty="0" err="1"/>
+              <a:t>dict_keys</a:t>
+            </a:r>
+            <a:r>
+              <a:rPr lang="en-US" dirty="0"/>
+              <a:t>([1, 2, 3, 4])</a:t>
+            </a:r>
+          </a:p>
+          <a:p>
+            <a:pPr marL="0" indent="0">
+              <a:buNone/>
+            </a:pPr>
+            <a:r>
+              <a:rPr lang="en-US" dirty="0"/>
+              <a:t>&gt;&gt;&gt; </a:t>
+            </a:r>
+            <a:r>
+              <a:rPr lang="en-US" dirty="0" err="1"/>
+              <a:t>a.values</a:t>
+            </a:r>
+            <a:r>
+              <a:rPr lang="en-US" dirty="0"/>
+              <a:t>()</a:t>
+            </a:r>
+          </a:p>
+          <a:p>
+            <a:pPr marL="0" indent="0">
+              <a:buNone/>
+            </a:pPr>
+            <a:r>
+              <a:rPr lang="en-US" dirty="0" err="1"/>
+              <a:t>dict_values</a:t>
+            </a:r>
+            <a:r>
+              <a:rPr lang="en-US" dirty="0"/>
+              <a:t>(['alpha', 'prime', 'king', 'knight'])</a:t>
+            </a:r>
+          </a:p>
+          <a:p>
+            <a:pPr marL="0" indent="0">
+              <a:buNone/>
+            </a:pPr>
+            <a:endParaRPr lang="en-US" dirty="0"/>
+          </a:p>
+        </p:txBody>
+      </p:sp>
+    </p:spTree>
+    <p:extLst>
+      <p:ext uri="{BB962C8B-B14F-4D97-AF65-F5344CB8AC3E}">
+        <p14:creationId xmlns:p14="http://schemas.microsoft.com/office/powerpoint/2010/main" val="1267020029"/>
+      </p:ext>
+    </p:extLst>
+  </p:cSld>
+  <p:clrMapOvr>
+    <a:masterClrMapping/>
+  </p:clrMapOvr>
+</p:sld>
+</file>
+
+<file path=ppt/slides/slide41.xml><?xml version="1.0" encoding="utf-8"?>
+<p:sld xmlns:a="http://schemas.openxmlformats.org/drawingml/2006/main" xmlns:r="http://schemas.openxmlformats.org/officeDocument/2006/relationships" xmlns:p="http://schemas.openxmlformats.org/presentationml/2006/main">
+  <p:cSld>
+    <p:spTree>
+      <p:nvGrpSpPr>
+        <p:cNvPr id="1" name=""/>
+        <p:cNvGrpSpPr/>
+        <p:nvPr/>
+      </p:nvGrpSpPr>
+      <p:grpSpPr>
+        <a:xfrm>
+          <a:off x="0" y="0"/>
+          <a:ext cx="0" cy="0"/>
+          <a:chOff x="0" y="0"/>
+          <a:chExt cx="0" cy="0"/>
+        </a:xfrm>
+      </p:grpSpPr>
+      <p:sp>
+        <p:nvSpPr>
+          <p:cNvPr id="3" name="Content Placeholder 2"/>
+          <p:cNvSpPr>
+            <a:spLocks noGrp="1"/>
+          </p:cNvSpPr>
+          <p:nvPr>
+            <p:ph idx="1"/>
+          </p:nvPr>
+        </p:nvSpPr>
+        <p:spPr>
+          <a:xfrm>
+            <a:off x="838200" y="374073"/>
+            <a:ext cx="10515600" cy="5802890"/>
+          </a:xfrm>
+        </p:spPr>
+        <p:txBody>
+          <a:bodyPr>
+            <a:normAutofit fontScale="77500" lnSpcReduction="20000"/>
+          </a:bodyPr>
+          <a:lstStyle/>
+          <a:p>
+            <a:pPr marL="0" indent="0">
+              <a:buNone/>
+            </a:pPr>
+            <a:r>
+              <a:rPr lang="en-US" dirty="0"/>
+              <a:t>&gt;&gt;&gt; </a:t>
+            </a:r>
+            <a:r>
+              <a:rPr lang="en-US" dirty="0" err="1"/>
+              <a:t>a.items</a:t>
+            </a:r>
+            <a:r>
+              <a:rPr lang="en-US" dirty="0"/>
+              <a:t>()</a:t>
+            </a:r>
+          </a:p>
+          <a:p>
+            <a:pPr marL="0" indent="0">
+              <a:buNone/>
+            </a:pPr>
+            <a:r>
+              <a:rPr lang="en-US" dirty="0" err="1"/>
+              <a:t>dict_items</a:t>
+            </a:r>
+            <a:r>
+              <a:rPr lang="en-US" dirty="0"/>
+              <a:t>([(1, 'alpha'), (2, 'prime'), (3, 'king'), (4, 'knight</a:t>
+            </a:r>
+            <a:r>
+              <a:rPr lang="en-US" dirty="0" smtClean="0"/>
+              <a:t>')])</a:t>
+            </a:r>
+          </a:p>
+          <a:p>
+            <a:pPr marL="0" indent="0">
+              <a:buNone/>
+            </a:pPr>
+            <a:r>
+              <a:rPr lang="en-US" dirty="0"/>
+              <a:t>&gt;&gt;&gt; for </a:t>
+            </a:r>
+            <a:r>
+              <a:rPr lang="en-US" dirty="0" err="1"/>
+              <a:t>i,j</a:t>
+            </a:r>
+            <a:r>
+              <a:rPr lang="en-US" dirty="0"/>
+              <a:t> in </a:t>
+            </a:r>
+            <a:r>
+              <a:rPr lang="en-US" dirty="0" err="1"/>
+              <a:t>a.items</a:t>
+            </a:r>
+            <a:r>
+              <a:rPr lang="en-US" dirty="0"/>
+              <a:t>():</a:t>
+            </a:r>
+          </a:p>
+          <a:p>
+            <a:pPr marL="0" indent="0">
+              <a:buNone/>
+            </a:pPr>
+            <a:r>
+              <a:rPr lang="en-US" dirty="0"/>
+              <a:t>	print (</a:t>
+            </a:r>
+            <a:r>
+              <a:rPr lang="en-US" dirty="0" err="1" smtClean="0"/>
+              <a:t>i,j</a:t>
+            </a:r>
+            <a:r>
+              <a:rPr lang="en-US" dirty="0" smtClean="0"/>
+              <a:t>)</a:t>
+            </a:r>
+          </a:p>
+          <a:p>
+            <a:pPr marL="0" indent="0">
+              <a:buNone/>
+            </a:pPr>
+            <a:r>
+              <a:rPr lang="en-US" dirty="0" smtClean="0"/>
+              <a:t>1 </a:t>
+            </a:r>
+            <a:r>
+              <a:rPr lang="en-US" dirty="0"/>
+              <a:t>alpha</a:t>
+            </a:r>
+          </a:p>
+          <a:p>
+            <a:pPr marL="0" indent="0">
+              <a:buNone/>
+            </a:pPr>
+            <a:r>
+              <a:rPr lang="en-US" dirty="0"/>
+              <a:t>2 prime</a:t>
+            </a:r>
+          </a:p>
+          <a:p>
+            <a:pPr marL="0" indent="0">
+              <a:buNone/>
+            </a:pPr>
+            <a:r>
+              <a:rPr lang="en-US" dirty="0"/>
+              <a:t>3 king</a:t>
+            </a:r>
+          </a:p>
+          <a:p>
+            <a:pPr marL="0" indent="0">
+              <a:buNone/>
+            </a:pPr>
+            <a:r>
+              <a:rPr lang="en-US" dirty="0"/>
+              <a:t>4 </a:t>
+            </a:r>
+            <a:r>
+              <a:rPr lang="en-US" dirty="0" smtClean="0"/>
+              <a:t>knight</a:t>
+            </a:r>
+          </a:p>
+          <a:p>
+            <a:pPr marL="0" indent="0">
+              <a:buNone/>
+            </a:pPr>
+            <a:r>
+              <a:rPr lang="en-US" dirty="0"/>
+              <a:t>&gt;&gt;&gt; for </a:t>
+            </a:r>
+            <a:r>
+              <a:rPr lang="en-US" dirty="0" err="1"/>
+              <a:t>i,j</a:t>
+            </a:r>
+            <a:r>
+              <a:rPr lang="en-US" dirty="0"/>
+              <a:t> in </a:t>
+            </a:r>
+            <a:r>
+              <a:rPr lang="en-US" b="1" dirty="0"/>
+              <a:t>enumerate</a:t>
+            </a:r>
+            <a:r>
+              <a:rPr lang="en-US" dirty="0"/>
+              <a:t>(</a:t>
+            </a:r>
+            <a:r>
+              <a:rPr lang="en-US" dirty="0" err="1"/>
+              <a:t>a.items</a:t>
+            </a:r>
+            <a:r>
+              <a:rPr lang="en-US" dirty="0"/>
+              <a:t>()):</a:t>
+            </a:r>
+          </a:p>
+          <a:p>
+            <a:pPr marL="0" indent="0">
+              <a:buNone/>
+            </a:pPr>
+            <a:r>
+              <a:rPr lang="en-US" dirty="0"/>
+              <a:t>	print (</a:t>
+            </a:r>
+            <a:r>
+              <a:rPr lang="en-US" dirty="0" err="1"/>
+              <a:t>i,j</a:t>
+            </a:r>
+            <a:r>
+              <a:rPr lang="en-US" dirty="0"/>
+              <a:t>)</a:t>
+            </a:r>
+          </a:p>
+          <a:p>
+            <a:pPr marL="0" indent="0">
+              <a:buNone/>
+            </a:pPr>
+            <a:endParaRPr lang="en-US" dirty="0"/>
+          </a:p>
+          <a:p>
+            <a:pPr marL="0" indent="0">
+              <a:buNone/>
+            </a:pPr>
+            <a:r>
+              <a:rPr lang="en-US" dirty="0"/>
+              <a:t>	</a:t>
+            </a:r>
+          </a:p>
+          <a:p>
+            <a:pPr marL="0" indent="0">
+              <a:buNone/>
+            </a:pPr>
+            <a:r>
+              <a:rPr lang="en-US" dirty="0"/>
+              <a:t>0 (1, 'alpha')</a:t>
+            </a:r>
+          </a:p>
+          <a:p>
+            <a:pPr marL="0" indent="0">
+              <a:buNone/>
+            </a:pPr>
+            <a:r>
+              <a:rPr lang="en-US" dirty="0"/>
+              <a:t>1 (2, 'prime')</a:t>
+            </a:r>
+          </a:p>
+          <a:p>
+            <a:pPr marL="0" indent="0">
+              <a:buNone/>
+            </a:pPr>
+            <a:r>
+              <a:rPr lang="en-US" dirty="0"/>
+              <a:t>2 (3, 'king')</a:t>
+            </a:r>
+          </a:p>
+          <a:p>
+            <a:pPr marL="0" indent="0">
+              <a:buNone/>
+            </a:pPr>
+            <a:r>
+              <a:rPr lang="en-US" dirty="0"/>
+              <a:t>3 (4, 'knight')</a:t>
+            </a:r>
+          </a:p>
+        </p:txBody>
+      </p:sp>
+    </p:spTree>
+    <p:extLst>
+      <p:ext uri="{BB962C8B-B14F-4D97-AF65-F5344CB8AC3E}">
+        <p14:creationId xmlns:p14="http://schemas.microsoft.com/office/powerpoint/2010/main" val="3143474388"/>
+      </p:ext>
+    </p:extLst>
+  </p:cSld>
+  <p:clrMapOvr>
+    <a:masterClrMapping/>
+  </p:clrMapOvr>
+</p:sld>
+</file>
+
+<file path=ppt/slides/slide42.xml><?xml version="1.0" encoding="utf-8"?>
+<p:sld xmlns:a="http://schemas.openxmlformats.org/drawingml/2006/main" xmlns:r="http://schemas.openxmlformats.org/officeDocument/2006/relationships" xmlns:p="http://schemas.openxmlformats.org/presentationml/2006/main">
+  <p:cSld>
+    <p:spTree>
+      <p:nvGrpSpPr>
+        <p:cNvPr id="1" name=""/>
+        <p:cNvGrpSpPr/>
+        <p:nvPr/>
+      </p:nvGrpSpPr>
+      <p:grpSpPr>
+        <a:xfrm>
+          <a:off x="0" y="0"/>
+          <a:ext cx="0" cy="0"/>
+          <a:chOff x="0" y="0"/>
+          <a:chExt cx="0" cy="0"/>
+        </a:xfrm>
+      </p:grpSpPr>
+      <p:sp>
+        <p:nvSpPr>
+          <p:cNvPr id="3" name="Content Placeholder 2"/>
+          <p:cNvSpPr>
+            <a:spLocks noGrp="1"/>
+          </p:cNvSpPr>
+          <p:nvPr>
+            <p:ph idx="1"/>
+          </p:nvPr>
+        </p:nvSpPr>
+        <p:spPr>
+          <a:xfrm>
+            <a:off x="838200" y="374073"/>
+            <a:ext cx="10515600" cy="5802890"/>
+          </a:xfrm>
+        </p:spPr>
+        <p:txBody>
+          <a:bodyPr>
+            <a:normAutofit lnSpcReduction="10000"/>
+          </a:bodyPr>
+          <a:lstStyle/>
+          <a:p>
+            <a:pPr marL="0" indent="0">
+              <a:buNone/>
+            </a:pPr>
+            <a:r>
+              <a:rPr lang="en-US" dirty="0"/>
+              <a:t>&gt;&gt;&gt; for </a:t>
+            </a:r>
+            <a:r>
+              <a:rPr lang="en-US" dirty="0" err="1"/>
+              <a:t>i,j</a:t>
+            </a:r>
+            <a:r>
+              <a:rPr lang="en-US" dirty="0"/>
+              <a:t> in </a:t>
+            </a:r>
+            <a:r>
+              <a:rPr lang="en-US" b="1" dirty="0"/>
+              <a:t>enumerate</a:t>
+            </a:r>
+            <a:r>
+              <a:rPr lang="en-US" dirty="0"/>
+              <a:t>(</a:t>
+            </a:r>
+            <a:r>
+              <a:rPr lang="en-US" dirty="0" err="1"/>
+              <a:t>a.items</a:t>
+            </a:r>
+            <a:r>
+              <a:rPr lang="en-US" dirty="0" smtClean="0"/>
+              <a:t>(),2):</a:t>
+            </a:r>
+            <a:endParaRPr lang="en-US" dirty="0"/>
+          </a:p>
+          <a:p>
+            <a:pPr marL="0" indent="0">
+              <a:buNone/>
+            </a:pPr>
+            <a:r>
+              <a:rPr lang="en-US" dirty="0"/>
+              <a:t>	print (</a:t>
+            </a:r>
+            <a:r>
+              <a:rPr lang="en-US" dirty="0" err="1"/>
+              <a:t>i,j</a:t>
+            </a:r>
+            <a:r>
+              <a:rPr lang="en-US" dirty="0" smtClean="0"/>
+              <a:t>)</a:t>
+            </a:r>
+            <a:endParaRPr lang="en-US" dirty="0"/>
+          </a:p>
+          <a:p>
+            <a:pPr marL="0" indent="0">
+              <a:buNone/>
+            </a:pPr>
+            <a:r>
+              <a:rPr lang="en-US" dirty="0"/>
+              <a:t>0 (1, 'alpha')</a:t>
+            </a:r>
+          </a:p>
+          <a:p>
+            <a:pPr marL="0" indent="0">
+              <a:buNone/>
+            </a:pPr>
+            <a:r>
+              <a:rPr lang="en-US" dirty="0"/>
+              <a:t>1 (2, 'prime')</a:t>
+            </a:r>
+          </a:p>
+          <a:p>
+            <a:pPr marL="0" indent="0">
+              <a:buNone/>
+            </a:pPr>
+            <a:r>
+              <a:rPr lang="en-US" dirty="0"/>
+              <a:t>2 (3, 'king')</a:t>
+            </a:r>
+          </a:p>
+          <a:p>
+            <a:pPr marL="0" indent="0">
+              <a:buNone/>
+            </a:pPr>
+            <a:r>
+              <a:rPr lang="en-US" dirty="0"/>
+              <a:t>3 (4, 'knight')</a:t>
+            </a:r>
+          </a:p>
+          <a:p>
+            <a:pPr marL="0" indent="0">
+              <a:buNone/>
+            </a:pPr>
+            <a:r>
+              <a:rPr lang="en-US" dirty="0"/>
+              <a:t>&gt;&gt;&gt; for </a:t>
+            </a:r>
+            <a:r>
+              <a:rPr lang="en-US" dirty="0" err="1"/>
+              <a:t>i,j</a:t>
+            </a:r>
+            <a:r>
+              <a:rPr lang="en-US" dirty="0"/>
+              <a:t> in </a:t>
+            </a:r>
+            <a:r>
+              <a:rPr lang="en-US" b="1" dirty="0"/>
+              <a:t>enumerate</a:t>
+            </a:r>
+            <a:r>
+              <a:rPr lang="en-US" dirty="0"/>
+              <a:t>(</a:t>
+            </a:r>
+            <a:r>
+              <a:rPr lang="en-US" dirty="0" err="1"/>
+              <a:t>a.items</a:t>
+            </a:r>
+            <a:r>
+              <a:rPr lang="en-US" dirty="0"/>
+              <a:t>(),2):</a:t>
+            </a:r>
+          </a:p>
+          <a:p>
+            <a:pPr marL="0" indent="0">
+              <a:buNone/>
+            </a:pPr>
+            <a:r>
+              <a:rPr lang="en-US" dirty="0"/>
+              <a:t>	print (</a:t>
+            </a:r>
+            <a:r>
+              <a:rPr lang="en-US" dirty="0" err="1"/>
+              <a:t>i,j</a:t>
+            </a:r>
+            <a:r>
+              <a:rPr lang="en-US" dirty="0" smtClean="0"/>
+              <a:t>)</a:t>
+            </a:r>
+            <a:endParaRPr lang="en-US" dirty="0"/>
+          </a:p>
+          <a:p>
+            <a:pPr marL="0" indent="0">
+              <a:buNone/>
+            </a:pPr>
+            <a:r>
+              <a:rPr lang="en-US" dirty="0"/>
+              <a:t>2 (1, 'alpha')</a:t>
+            </a:r>
+          </a:p>
+          <a:p>
+            <a:pPr marL="0" indent="0">
+              <a:buNone/>
+            </a:pPr>
+            <a:r>
+              <a:rPr lang="en-US" dirty="0"/>
+              <a:t>3 (2, 'prime')</a:t>
+            </a:r>
+          </a:p>
+          <a:p>
+            <a:pPr marL="0" indent="0">
+              <a:buNone/>
+            </a:pPr>
+            <a:r>
+              <a:rPr lang="en-US" dirty="0"/>
+              <a:t>4 (3, 'king')</a:t>
+            </a:r>
+          </a:p>
+          <a:p>
+            <a:pPr marL="0" indent="0">
+              <a:buNone/>
+            </a:pPr>
+            <a:r>
+              <a:rPr lang="en-US" dirty="0"/>
+              <a:t>5 (4, 'knight')</a:t>
+            </a:r>
+          </a:p>
+        </p:txBody>
+      </p:sp>
+    </p:spTree>
+    <p:extLst>
+      <p:ext uri="{BB962C8B-B14F-4D97-AF65-F5344CB8AC3E}">
+        <p14:creationId xmlns:p14="http://schemas.microsoft.com/office/powerpoint/2010/main" val="1722424954"/>
+      </p:ext>
+    </p:extLst>
+  </p:cSld>
+  <p:clrMapOvr>
+    <a:masterClrMapping/>
+  </p:clrMapOvr>
+</p:sld>
+</file>
+
+<file path=ppt/slides/slide43.xml><?xml version="1.0" encoding="utf-8"?>
+<p:sld xmlns:a="http://schemas.openxmlformats.org/drawingml/2006/main" xmlns:r="http://schemas.openxmlformats.org/officeDocument/2006/relationships" xmlns:p="http://schemas.openxmlformats.org/presentationml/2006/main">
+  <p:cSld>
+    <p:spTree>
+      <p:nvGrpSpPr>
+        <p:cNvPr id="1" name=""/>
+        <p:cNvGrpSpPr/>
+        <p:nvPr/>
+      </p:nvGrpSpPr>
+      <p:grpSpPr>
+        <a:xfrm>
+          <a:off x="0" y="0"/>
+          <a:ext cx="0" cy="0"/>
+          <a:chOff x="0" y="0"/>
+          <a:chExt cx="0" cy="0"/>
+        </a:xfrm>
+      </p:grpSpPr>
+      <p:sp>
+        <p:nvSpPr>
+          <p:cNvPr id="3" name="Content Placeholder 2"/>
+          <p:cNvSpPr>
+            <a:spLocks noGrp="1"/>
+          </p:cNvSpPr>
+          <p:nvPr>
+            <p:ph idx="1"/>
+          </p:nvPr>
+        </p:nvSpPr>
+        <p:spPr>
+          <a:xfrm>
+            <a:off x="838200" y="581891"/>
+            <a:ext cx="10515600" cy="5595072"/>
+          </a:xfrm>
+        </p:spPr>
+        <p:txBody>
+          <a:bodyPr>
+            <a:normAutofit fontScale="92500" lnSpcReduction="20000"/>
+          </a:bodyPr>
+          <a:lstStyle/>
+          <a:p>
+            <a:pPr marL="0" indent="0">
+              <a:buNone/>
+            </a:pPr>
+            <a:r>
+              <a:rPr lang="en-US" dirty="0"/>
+              <a:t>&gt;&gt;&gt; questions = ['name', 'quest', 'favorite color']</a:t>
+            </a:r>
+          </a:p>
+          <a:p>
+            <a:pPr marL="0" indent="0">
+              <a:buNone/>
+            </a:pPr>
+            <a:r>
+              <a:rPr lang="en-US" dirty="0"/>
+              <a:t>&gt;&gt;&gt; answers = ['</a:t>
+            </a:r>
+            <a:r>
+              <a:rPr lang="en-US" dirty="0" err="1"/>
+              <a:t>lancelot</a:t>
+            </a:r>
+            <a:r>
+              <a:rPr lang="en-US" dirty="0"/>
+              <a:t>', 'the holy grail', 'blue</a:t>
+            </a:r>
+            <a:r>
+              <a:rPr lang="en-US" dirty="0" smtClean="0"/>
+              <a:t>']</a:t>
+            </a:r>
+          </a:p>
+          <a:p>
+            <a:pPr marL="0" indent="0">
+              <a:buNone/>
+            </a:pPr>
+            <a:endParaRPr lang="en-US" dirty="0"/>
+          </a:p>
+          <a:p>
+            <a:pPr marL="0" indent="0">
+              <a:buNone/>
+            </a:pPr>
+            <a:r>
+              <a:rPr lang="en-US" dirty="0"/>
+              <a:t>for q, a in zip(questions, answers):</a:t>
+            </a:r>
+          </a:p>
+          <a:p>
+            <a:pPr marL="0" indent="0">
+              <a:buNone/>
+            </a:pPr>
+            <a:r>
+              <a:rPr lang="en-US" dirty="0"/>
+              <a:t>	print('What is your {0}?  It is {1</a:t>
+            </a:r>
+            <a:r>
+              <a:rPr lang="en-US" dirty="0" smtClean="0"/>
+              <a:t>}.'.format(q, a))</a:t>
+            </a:r>
+            <a:endParaRPr lang="en-US" dirty="0" smtClean="0"/>
+          </a:p>
+          <a:p>
+            <a:pPr marL="0" indent="0">
+              <a:buNone/>
+            </a:pPr>
+            <a:r>
+              <a:rPr lang="en-US" dirty="0"/>
+              <a:t>What is your name?  It is </a:t>
+            </a:r>
+            <a:r>
+              <a:rPr lang="en-US" dirty="0" err="1"/>
+              <a:t>lancelot</a:t>
+            </a:r>
+            <a:r>
+              <a:rPr lang="en-US" dirty="0" smtClean="0"/>
+              <a:t>.</a:t>
+            </a:r>
+            <a:endParaRPr lang="en-US" dirty="0"/>
+          </a:p>
+          <a:p>
+            <a:pPr marL="0" indent="0">
+              <a:buNone/>
+            </a:pPr>
+            <a:r>
+              <a:rPr lang="en-US" dirty="0"/>
+              <a:t>What is your quest?  It is the holy grail.</a:t>
+            </a:r>
+          </a:p>
+          <a:p>
+            <a:pPr marL="0" indent="0">
+              <a:buNone/>
+            </a:pPr>
+            <a:r>
+              <a:rPr lang="en-US" dirty="0"/>
+              <a:t>What is your favorite color?  It is blue.</a:t>
+            </a:r>
+            <a:endParaRPr lang="en-US" dirty="0" smtClean="0"/>
+          </a:p>
+          <a:p>
+            <a:pPr marL="0" indent="0">
+              <a:buNone/>
+            </a:pPr>
+            <a:r>
+              <a:rPr lang="en-US" dirty="0"/>
+              <a:t>for q, a in zip(questions, answers):</a:t>
+            </a:r>
+          </a:p>
+          <a:p>
+            <a:pPr marL="0" indent="0">
+              <a:buNone/>
+            </a:pPr>
+            <a:r>
+              <a:rPr lang="en-US" dirty="0"/>
+              <a:t>	print (</a:t>
+            </a:r>
+            <a:r>
+              <a:rPr lang="en-US" dirty="0" err="1"/>
+              <a:t>q,a</a:t>
+            </a:r>
+            <a:r>
+              <a:rPr lang="en-US" dirty="0" smtClean="0"/>
+              <a:t>)</a:t>
+            </a:r>
+          </a:p>
+          <a:p>
+            <a:pPr marL="0" indent="0">
+              <a:buNone/>
+            </a:pPr>
+            <a:r>
+              <a:rPr lang="en-US" dirty="0"/>
+              <a:t>name </a:t>
+            </a:r>
+            <a:r>
+              <a:rPr lang="en-US" dirty="0" err="1"/>
+              <a:t>lancelot</a:t>
+            </a:r>
+            <a:endParaRPr lang="en-US" dirty="0"/>
+          </a:p>
+          <a:p>
+            <a:pPr marL="0" indent="0">
+              <a:buNone/>
+            </a:pPr>
+            <a:r>
+              <a:rPr lang="en-US" dirty="0"/>
+              <a:t>quest the holy grail</a:t>
+            </a:r>
+          </a:p>
+          <a:p>
+            <a:pPr marL="0" indent="0">
+              <a:buNone/>
+            </a:pPr>
+            <a:r>
+              <a:rPr lang="en-US" dirty="0"/>
+              <a:t>favorite color blue</a:t>
+            </a:r>
+          </a:p>
+        </p:txBody>
+      </p:sp>
+    </p:spTree>
+    <p:extLst>
+      <p:ext uri="{BB962C8B-B14F-4D97-AF65-F5344CB8AC3E}">
+        <p14:creationId xmlns:p14="http://schemas.microsoft.com/office/powerpoint/2010/main" val="2127041111"/>
+      </p:ext>
+    </p:extLst>
+  </p:cSld>
+  <p:clrMapOvr>
+    <a:masterClrMapping/>
+  </p:clrMapOvr>
 </p:sld>
 </file>
 
